--- a/Bank Marketing Campaign.pptx
+++ b/Bank Marketing Campaign.pptx
@@ -13,14 +13,16 @@
     <p:sldId id="263" r:id="rId7"/>
     <p:sldId id="264" r:id="rId8"/>
     <p:sldId id="265" r:id="rId9"/>
-    <p:sldId id="266" r:id="rId10"/>
-    <p:sldId id="267" r:id="rId11"/>
-    <p:sldId id="268" r:id="rId12"/>
-    <p:sldId id="273" r:id="rId13"/>
-    <p:sldId id="269" r:id="rId14"/>
-    <p:sldId id="270" r:id="rId15"/>
-    <p:sldId id="271" r:id="rId16"/>
-    <p:sldId id="272" r:id="rId17"/>
+    <p:sldId id="276" r:id="rId10"/>
+    <p:sldId id="278" r:id="rId11"/>
+    <p:sldId id="277" r:id="rId12"/>
+    <p:sldId id="266" r:id="rId13"/>
+    <p:sldId id="274" r:id="rId14"/>
+    <p:sldId id="267" r:id="rId15"/>
+    <p:sldId id="275" r:id="rId16"/>
+    <p:sldId id="269" r:id="rId17"/>
+    <p:sldId id="270" r:id="rId18"/>
+    <p:sldId id="272" r:id="rId19"/>
   </p:sldIdLst>
   <p:sldSz cx="12192000" cy="6858000"/>
   <p:notesSz cx="6858000" cy="9144000"/>
@@ -119,6 +121,11 @@
       </a:defRPr>
     </a:lvl9pPr>
   </p:defaultTextStyle>
+  <p:extLst>
+    <p:ext uri="{EFAFB233-063F-42B5-8137-9DF3F51BA10A}">
+      <p15:sldGuideLst xmlns:p15="http://schemas.microsoft.com/office/powerpoint/2012/main"/>
+    </p:ext>
+  </p:extLst>
 </p:presentation>
 </file>
 
@@ -229,7 +236,7 @@
           <a:p>
             <a:fld id="{C764DE79-268F-4C1A-8933-263129D2AF90}" type="datetimeFigureOut">
               <a:rPr lang="en-US" dirty="0"/>
-              <a:t>9/23/2022</a:t>
+              <a:t>9/26/2022</a:t>
             </a:fld>
             <a:endParaRPr lang="en-US"/>
           </a:p>
@@ -419,7 +426,7 @@
           <a:p>
             <a:fld id="{C764DE79-268F-4C1A-8933-263129D2AF90}" type="datetimeFigureOut">
               <a:rPr lang="en-US" dirty="0"/>
-              <a:t>9/23/2022</a:t>
+              <a:t>9/26/2022</a:t>
             </a:fld>
             <a:endParaRPr lang="en-US"/>
           </a:p>
@@ -630,7 +637,7 @@
           <a:p>
             <a:fld id="{C764DE79-268F-4C1A-8933-263129D2AF90}" type="datetimeFigureOut">
               <a:rPr lang="en-US" dirty="0"/>
-              <a:t>9/23/2022</a:t>
+              <a:t>9/26/2022</a:t>
             </a:fld>
             <a:endParaRPr lang="en-US"/>
           </a:p>
@@ -1407,7 +1414,7 @@
                   <a:srgbClr val="FF6600"/>
                 </a:solidFill>
               </a:rPr>
-              <a:t>Random Forest</a:t>
+              <a:t>Exploratory Data Analysis</a:t>
             </a:r>
           </a:p>
         </p:txBody>
@@ -1441,13 +1448,6 @@
           </a:bodyPr>
           <a:lstStyle/>
           <a:p>
-            <a:endParaRPr lang="en-US" dirty="0">
-              <a:solidFill>
-                <a:srgbClr val="FF6600"/>
-              </a:solidFill>
-            </a:endParaRPr>
-          </a:p>
-          <a:p>
             <a:pPr lvl="1"/>
             <a:endParaRPr lang="en-US" sz="2000" dirty="0"/>
           </a:p>
@@ -1496,46 +1496,10 @@
           </a:prstGeom>
         </p:spPr>
       </p:pic>
-      <p:pic>
-        <p:nvPicPr>
-          <p:cNvPr id="6" name="Picture 5" descr="Chart, bar chart&#10;&#10;Description automatically generated">
-            <a:extLst>
-              <a:ext uri="{FF2B5EF4-FFF2-40B4-BE49-F238E27FC236}">
-                <a16:creationId xmlns:a16="http://schemas.microsoft.com/office/drawing/2014/main" id="{8040B325-770B-5BBA-4542-A93B6680CC86}"/>
-              </a:ext>
-            </a:extLst>
-          </p:cNvPr>
-          <p:cNvPicPr>
-            <a:picLocks noChangeAspect="1"/>
-          </p:cNvPicPr>
-          <p:nvPr/>
-        </p:nvPicPr>
-        <p:blipFill>
-          <a:blip r:embed="rId3">
-            <a:extLst>
-              <a:ext uri="{28A0092B-C50C-407E-A947-70E740481C1C}">
-                <a14:useLocalDpi xmlns:a14="http://schemas.microsoft.com/office/drawing/2010/main" val="0"/>
-              </a:ext>
-            </a:extLst>
-          </a:blip>
-          <a:stretch>
-            <a:fillRect/>
-          </a:stretch>
-        </p:blipFill>
-        <p:spPr>
-          <a:xfrm>
-            <a:off x="2587307" y="2506502"/>
-            <a:ext cx="7060317" cy="3631746"/>
-          </a:xfrm>
-          <a:prstGeom prst="rect">
-            <a:avLst/>
-          </a:prstGeom>
-        </p:spPr>
-      </p:pic>
     </p:spTree>
     <p:extLst>
       <p:ext uri="{BB962C8B-B14F-4D97-AF65-F5344CB8AC3E}">
-        <p14:creationId xmlns:p14="http://schemas.microsoft.com/office/powerpoint/2010/main" val="2661989101"/>
+        <p14:creationId xmlns:p14="http://schemas.microsoft.com/office/powerpoint/2010/main" val="547558736"/>
       </p:ext>
     </p:extLst>
   </p:cSld>
@@ -1607,7 +1571,7 @@
                   <a:srgbClr val="FF6600"/>
                 </a:solidFill>
               </a:rPr>
-              <a:t>Support Vector Machine</a:t>
+              <a:t>Exploratory Data Analysis</a:t>
             </a:r>
           </a:p>
         </p:txBody>
@@ -1641,13 +1605,6 @@
           </a:bodyPr>
           <a:lstStyle/>
           <a:p>
-            <a:endParaRPr lang="en-US" dirty="0">
-              <a:solidFill>
-                <a:srgbClr val="FF6600"/>
-              </a:solidFill>
-            </a:endParaRPr>
-          </a:p>
-          <a:p>
             <a:pPr lvl="1"/>
             <a:endParaRPr lang="en-US" sz="2000" dirty="0"/>
           </a:p>
@@ -1699,7 +1656,7 @@
     </p:spTree>
     <p:extLst>
       <p:ext uri="{BB962C8B-B14F-4D97-AF65-F5344CB8AC3E}">
-        <p14:creationId xmlns:p14="http://schemas.microsoft.com/office/powerpoint/2010/main" val="1715932472"/>
+        <p14:creationId xmlns:p14="http://schemas.microsoft.com/office/powerpoint/2010/main" val="4229592414"/>
       </p:ext>
     </p:extLst>
   </p:cSld>
@@ -1771,7 +1728,7 @@
                   <a:srgbClr val="FF6600"/>
                 </a:solidFill>
               </a:rPr>
-              <a:t>Naïve Bayes' Classifier</a:t>
+              <a:t>Logistic Regression Model</a:t>
             </a:r>
           </a:p>
         </p:txBody>
@@ -1860,10 +1817,82 @@
           </a:prstGeom>
         </p:spPr>
       </p:pic>
+      <p:pic>
+        <p:nvPicPr>
+          <p:cNvPr id="6" name="Picture 5" descr="Chart, bar chart&#10;&#10;Description automatically generated">
+            <a:extLst>
+              <a:ext uri="{FF2B5EF4-FFF2-40B4-BE49-F238E27FC236}">
+                <a16:creationId xmlns:a16="http://schemas.microsoft.com/office/drawing/2014/main" id="{21F55F23-8673-C5FA-464A-28EE0F762CA2}"/>
+              </a:ext>
+            </a:extLst>
+          </p:cNvPr>
+          <p:cNvPicPr>
+            <a:picLocks noChangeAspect="1"/>
+          </p:cNvPicPr>
+          <p:nvPr/>
+        </p:nvPicPr>
+        <p:blipFill>
+          <a:blip r:embed="rId3">
+            <a:extLst>
+              <a:ext uri="{28A0092B-C50C-407E-A947-70E740481C1C}">
+                <a14:useLocalDpi xmlns:a14="http://schemas.microsoft.com/office/drawing/2010/main" val="0"/>
+              </a:ext>
+            </a:extLst>
+          </a:blip>
+          <a:stretch>
+            <a:fillRect/>
+          </a:stretch>
+        </p:blipFill>
+        <p:spPr>
+          <a:xfrm>
+            <a:off x="598428" y="2086388"/>
+            <a:ext cx="5260007" cy="3631746"/>
+          </a:xfrm>
+          <a:prstGeom prst="rect">
+            <a:avLst/>
+          </a:prstGeom>
+        </p:spPr>
+      </p:pic>
+      <p:pic>
+        <p:nvPicPr>
+          <p:cNvPr id="8" name="Picture 7" descr="Chart&#10;&#10;Description automatically generated">
+            <a:extLst>
+              <a:ext uri="{FF2B5EF4-FFF2-40B4-BE49-F238E27FC236}">
+                <a16:creationId xmlns:a16="http://schemas.microsoft.com/office/drawing/2014/main" id="{DCD49042-9F42-3F38-D1F2-2A725E75D918}"/>
+              </a:ext>
+            </a:extLst>
+          </p:cNvPr>
+          <p:cNvPicPr>
+            <a:picLocks noChangeAspect="1"/>
+          </p:cNvPicPr>
+          <p:nvPr/>
+        </p:nvPicPr>
+        <p:blipFill>
+          <a:blip r:embed="rId4">
+            <a:extLst>
+              <a:ext uri="{28A0092B-C50C-407E-A947-70E740481C1C}">
+                <a14:useLocalDpi xmlns:a14="http://schemas.microsoft.com/office/drawing/2010/main" val="0"/>
+              </a:ext>
+            </a:extLst>
+          </a:blip>
+          <a:stretch>
+            <a:fillRect/>
+          </a:stretch>
+        </p:blipFill>
+        <p:spPr>
+          <a:xfrm>
+            <a:off x="6124442" y="2086388"/>
+            <a:ext cx="5619323" cy="3592753"/>
+          </a:xfrm>
+          <a:prstGeom prst="rect">
+            <a:avLst/>
+          </a:prstGeom>
+        </p:spPr>
+      </p:pic>
     </p:spTree>
     <p:extLst>
       <p:ext uri="{BB962C8B-B14F-4D97-AF65-F5344CB8AC3E}">
-        <p14:creationId xmlns:p14="http://schemas.microsoft.com/office/powerpoint/2010/main" val="2472995380"/>
+        <p14:creationId xmlns:p14="http://schemas.microsoft.com/office/powerpoint/2010/main" val="2725937870"/>
       </p:ext>
     </p:extLst>
   </p:cSld>
@@ -1923,20 +1952,25 @@
           <a:p>
             <a:pPr algn="ctr"/>
             <a:br>
-              <a:rPr lang="en-US" b="1" dirty="0">
+              <a:rPr lang="en-US" b="1">
                 <a:solidFill>
                   <a:srgbClr val="FF6600"/>
                 </a:solidFill>
               </a:rPr>
             </a:br>
             <a:r>
-              <a:rPr lang="en-US" b="1" dirty="0">
+              <a:rPr lang="en-US" b="1">
                 <a:solidFill>
                   <a:srgbClr val="FF6600"/>
                 </a:solidFill>
               </a:rPr>
-              <a:t>Artificial Neural Network</a:t>
-            </a:r>
+              <a:t>Logistic Regression Model</a:t>
+            </a:r>
+            <a:endParaRPr lang="en-US" b="1" dirty="0">
+              <a:solidFill>
+                <a:srgbClr val="FF6600"/>
+              </a:solidFill>
+            </a:endParaRPr>
           </a:p>
         </p:txBody>
       </p:sp>
@@ -1969,7 +2003,7 @@
           </a:bodyPr>
           <a:lstStyle/>
           <a:p>
-            <a:endParaRPr lang="en-US" dirty="0">
+            <a:endParaRPr lang="en-US">
               <a:solidFill>
                 <a:srgbClr val="FF6600"/>
               </a:solidFill>
@@ -1977,7 +2011,7 @@
           </a:p>
           <a:p>
             <a:pPr lvl="1"/>
-            <a:endParaRPr lang="en-US" sz="2000" dirty="0"/>
+            <a:endParaRPr lang="en-US" sz="2000"/>
           </a:p>
           <a:p>
             <a:endParaRPr lang="en-US" dirty="0">
@@ -2024,10 +2058,116 @@
           </a:prstGeom>
         </p:spPr>
       </p:pic>
+      <p:pic>
+        <p:nvPicPr>
+          <p:cNvPr id="6" name="Picture 5">
+            <a:extLst>
+              <a:ext uri="{FF2B5EF4-FFF2-40B4-BE49-F238E27FC236}">
+                <a16:creationId xmlns:a16="http://schemas.microsoft.com/office/drawing/2014/main" id="{21F55F23-8673-C5FA-464A-28EE0F762CA2}"/>
+              </a:ext>
+            </a:extLst>
+          </p:cNvPr>
+          <p:cNvPicPr>
+            <a:picLocks noChangeAspect="1"/>
+          </p:cNvPicPr>
+          <p:nvPr/>
+        </p:nvPicPr>
+        <p:blipFill>
+          <a:blip r:embed="rId3">
+            <a:extLst>
+              <a:ext uri="{28A0092B-C50C-407E-A947-70E740481C1C}">
+                <a14:useLocalDpi xmlns:a14="http://schemas.microsoft.com/office/drawing/2010/main" val="0"/>
+              </a:ext>
+            </a:extLst>
+          </a:blip>
+          <a:srcRect/>
+          <a:stretch/>
+        </p:blipFill>
+        <p:spPr>
+          <a:xfrm>
+            <a:off x="598428" y="2086388"/>
+            <a:ext cx="4511454" cy="3777383"/>
+          </a:xfrm>
+          <a:prstGeom prst="rect">
+            <a:avLst/>
+          </a:prstGeom>
+        </p:spPr>
+      </p:pic>
+      <p:pic>
+        <p:nvPicPr>
+          <p:cNvPr id="8" name="Picture 7">
+            <a:extLst>
+              <a:ext uri="{FF2B5EF4-FFF2-40B4-BE49-F238E27FC236}">
+                <a16:creationId xmlns:a16="http://schemas.microsoft.com/office/drawing/2014/main" id="{DCD49042-9F42-3F38-D1F2-2A725E75D918}"/>
+              </a:ext>
+            </a:extLst>
+          </p:cNvPr>
+          <p:cNvPicPr>
+            <a:picLocks noChangeAspect="1"/>
+          </p:cNvPicPr>
+          <p:nvPr/>
+        </p:nvPicPr>
+        <p:blipFill>
+          <a:blip r:embed="rId4">
+            <a:extLst>
+              <a:ext uri="{28A0092B-C50C-407E-A947-70E740481C1C}">
+                <a14:useLocalDpi xmlns:a14="http://schemas.microsoft.com/office/drawing/2010/main" val="0"/>
+              </a:ext>
+            </a:extLst>
+          </a:blip>
+          <a:srcRect/>
+          <a:stretch/>
+        </p:blipFill>
+        <p:spPr>
+          <a:xfrm>
+            <a:off x="5813612" y="2086388"/>
+            <a:ext cx="5541986" cy="3777383"/>
+          </a:xfrm>
+          <a:prstGeom prst="rect">
+            <a:avLst/>
+          </a:prstGeom>
+        </p:spPr>
+      </p:pic>
+      <p:sp>
+        <p:nvSpPr>
+          <p:cNvPr id="5" name="TextBox 4">
+            <a:extLst>
+              <a:ext uri="{FF2B5EF4-FFF2-40B4-BE49-F238E27FC236}">
+                <a16:creationId xmlns:a16="http://schemas.microsoft.com/office/drawing/2014/main" id="{E5C59C8A-C239-7465-CB80-A12DEDD9A6AF}"/>
+              </a:ext>
+            </a:extLst>
+          </p:cNvPr>
+          <p:cNvSpPr txBox="1"/>
+          <p:nvPr/>
+        </p:nvSpPr>
+        <p:spPr>
+          <a:xfrm>
+            <a:off x="1936376" y="5863771"/>
+            <a:ext cx="9946342" cy="922511"/>
+          </a:xfrm>
+          <a:prstGeom prst="rect">
+            <a:avLst/>
+          </a:prstGeom>
+          <a:noFill/>
+        </p:spPr>
+        <p:txBody>
+          <a:bodyPr wrap="square" rtlCol="0">
+            <a:spAutoFit/>
+          </a:bodyPr>
+          <a:lstStyle/>
+          <a:p>
+            <a:r>
+              <a:rPr lang="en-US"/>
+              <a:t>There are very few false positives (predicted value was ‘Yes’, but actual value was ‘No’), but many false negatives (predicted value was ‘No’, when the actual value was ‘Yes’). The model was very accurate at predicting ‘No’, but performed poorly when it came to predicting ‘Yes’. </a:t>
+            </a:r>
+            <a:endParaRPr lang="en-US" dirty="0"/>
+          </a:p>
+        </p:txBody>
+      </p:sp>
     </p:spTree>
     <p:extLst>
       <p:ext uri="{BB962C8B-B14F-4D97-AF65-F5344CB8AC3E}">
-        <p14:creationId xmlns:p14="http://schemas.microsoft.com/office/powerpoint/2010/main" val="3752857098"/>
+        <p14:creationId xmlns:p14="http://schemas.microsoft.com/office/powerpoint/2010/main" val="4141791654"/>
       </p:ext>
     </p:extLst>
   </p:cSld>
@@ -2099,7 +2239,7 @@
                   <a:srgbClr val="FF6600"/>
                 </a:solidFill>
               </a:rPr>
-              <a:t>Model Evaluation: Selecting the Best Model</a:t>
+              <a:t>Random Forest</a:t>
             </a:r>
           </a:p>
         </p:txBody>
@@ -2188,10 +2328,46 @@
           </a:prstGeom>
         </p:spPr>
       </p:pic>
+      <p:pic>
+        <p:nvPicPr>
+          <p:cNvPr id="6" name="Picture 5" descr="Chart, bar chart&#10;&#10;Description automatically generated">
+            <a:extLst>
+              <a:ext uri="{FF2B5EF4-FFF2-40B4-BE49-F238E27FC236}">
+                <a16:creationId xmlns:a16="http://schemas.microsoft.com/office/drawing/2014/main" id="{8040B325-770B-5BBA-4542-A93B6680CC86}"/>
+              </a:ext>
+            </a:extLst>
+          </p:cNvPr>
+          <p:cNvPicPr>
+            <a:picLocks noChangeAspect="1"/>
+          </p:cNvPicPr>
+          <p:nvPr/>
+        </p:nvPicPr>
+        <p:blipFill>
+          <a:blip r:embed="rId3">
+            <a:extLst>
+              <a:ext uri="{28A0092B-C50C-407E-A947-70E740481C1C}">
+                <a14:useLocalDpi xmlns:a14="http://schemas.microsoft.com/office/drawing/2010/main" val="0"/>
+              </a:ext>
+            </a:extLst>
+          </a:blip>
+          <a:stretch>
+            <a:fillRect/>
+          </a:stretch>
+        </p:blipFill>
+        <p:spPr>
+          <a:xfrm>
+            <a:off x="2587307" y="2506502"/>
+            <a:ext cx="7060317" cy="3631746"/>
+          </a:xfrm>
+          <a:prstGeom prst="rect">
+            <a:avLst/>
+          </a:prstGeom>
+        </p:spPr>
+      </p:pic>
     </p:spTree>
     <p:extLst>
       <p:ext uri="{BB962C8B-B14F-4D97-AF65-F5344CB8AC3E}">
-        <p14:creationId xmlns:p14="http://schemas.microsoft.com/office/powerpoint/2010/main" val="3154678756"/>
+        <p14:creationId xmlns:p14="http://schemas.microsoft.com/office/powerpoint/2010/main" val="2661989101"/>
       </p:ext>
     </p:extLst>
   </p:cSld>
@@ -2263,7 +2439,7 @@
                   <a:srgbClr val="FF6600"/>
                 </a:solidFill>
               </a:rPr>
-              <a:t>Model Evaluation: Selecting the Best Model</a:t>
+              <a:t>Random Forest</a:t>
             </a:r>
           </a:p>
         </p:txBody>
@@ -2352,10 +2528,119 @@
           </a:prstGeom>
         </p:spPr>
       </p:pic>
+      <p:pic>
+        <p:nvPicPr>
+          <p:cNvPr id="6" name="Picture 5">
+            <a:extLst>
+              <a:ext uri="{FF2B5EF4-FFF2-40B4-BE49-F238E27FC236}">
+                <a16:creationId xmlns:a16="http://schemas.microsoft.com/office/drawing/2014/main" id="{8040B325-770B-5BBA-4542-A93B6680CC86}"/>
+              </a:ext>
+            </a:extLst>
+          </p:cNvPr>
+          <p:cNvPicPr>
+            <a:picLocks noChangeAspect="1"/>
+          </p:cNvPicPr>
+          <p:nvPr/>
+        </p:nvPicPr>
+        <p:blipFill>
+          <a:blip r:embed="rId3">
+            <a:extLst>
+              <a:ext uri="{28A0092B-C50C-407E-A947-70E740481C1C}">
+                <a14:useLocalDpi xmlns:a14="http://schemas.microsoft.com/office/drawing/2010/main" val="0"/>
+              </a:ext>
+            </a:extLst>
+          </a:blip>
+          <a:srcRect/>
+          <a:stretch/>
+        </p:blipFill>
+        <p:spPr>
+          <a:xfrm>
+            <a:off x="399920" y="2400022"/>
+            <a:ext cx="5355422" cy="3283602"/>
+          </a:xfrm>
+          <a:prstGeom prst="rect">
+            <a:avLst/>
+          </a:prstGeom>
+        </p:spPr>
+      </p:pic>
+      <p:pic>
+        <p:nvPicPr>
+          <p:cNvPr id="7" name="Picture 6" descr="Chart, treemap chart&#10;&#10;Description automatically generated">
+            <a:extLst>
+              <a:ext uri="{FF2B5EF4-FFF2-40B4-BE49-F238E27FC236}">
+                <a16:creationId xmlns:a16="http://schemas.microsoft.com/office/drawing/2014/main" id="{A08ED946-E0FA-539C-7FF7-C7647B35CAA1}"/>
+              </a:ext>
+            </a:extLst>
+          </p:cNvPr>
+          <p:cNvPicPr>
+            <a:picLocks noChangeAspect="1"/>
+          </p:cNvPicPr>
+          <p:nvPr/>
+        </p:nvPicPr>
+        <p:blipFill>
+          <a:blip r:embed="rId4">
+            <a:extLst>
+              <a:ext uri="{28A0092B-C50C-407E-A947-70E740481C1C}">
+                <a14:useLocalDpi xmlns:a14="http://schemas.microsoft.com/office/drawing/2010/main" val="0"/>
+              </a:ext>
+            </a:extLst>
+          </a:blip>
+          <a:stretch>
+            <a:fillRect/>
+          </a:stretch>
+        </p:blipFill>
+        <p:spPr>
+          <a:xfrm>
+            <a:off x="6326955" y="2052918"/>
+            <a:ext cx="5264410" cy="3810853"/>
+          </a:xfrm>
+          <a:prstGeom prst="rect">
+            <a:avLst/>
+          </a:prstGeom>
+        </p:spPr>
+      </p:pic>
+      <p:sp>
+        <p:nvSpPr>
+          <p:cNvPr id="8" name="TextBox 7">
+            <a:extLst>
+              <a:ext uri="{FF2B5EF4-FFF2-40B4-BE49-F238E27FC236}">
+                <a16:creationId xmlns:a16="http://schemas.microsoft.com/office/drawing/2014/main" id="{B0E9B32F-5BB1-E0C6-12B8-62C9FF27DA53}"/>
+              </a:ext>
+            </a:extLst>
+          </p:cNvPr>
+          <p:cNvSpPr txBox="1"/>
+          <p:nvPr/>
+        </p:nvSpPr>
+        <p:spPr>
+          <a:xfrm>
+            <a:off x="1999129" y="5816753"/>
+            <a:ext cx="9792951" cy="1107996"/>
+          </a:xfrm>
+          <a:prstGeom prst="rect">
+            <a:avLst/>
+          </a:prstGeom>
+          <a:noFill/>
+        </p:spPr>
+        <p:txBody>
+          <a:bodyPr wrap="square" rtlCol="0">
+            <a:spAutoFit/>
+          </a:bodyPr>
+          <a:lstStyle/>
+          <a:p>
+            <a:r>
+              <a:rPr lang="en-US" sz="1600" dirty="0"/>
+              <a:t>There are very few false positives (predicted value was ‘Yes’, but actual value was ‘No’), but many false negatives (predicted value was ‘No’, when the actual value was ‘Yes’). The model was very accurate at predicting ‘No’, but performed poorly when it came to predicting ‘Yes’. </a:t>
+            </a:r>
+          </a:p>
+          <a:p>
+            <a:endParaRPr lang="en-US" dirty="0"/>
+          </a:p>
+        </p:txBody>
+      </p:sp>
     </p:spTree>
     <p:extLst>
       <p:ext uri="{BB962C8B-B14F-4D97-AF65-F5344CB8AC3E}">
-        <p14:creationId xmlns:p14="http://schemas.microsoft.com/office/powerpoint/2010/main" val="597594355"/>
+        <p14:creationId xmlns:p14="http://schemas.microsoft.com/office/powerpoint/2010/main" val="1759213583"/>
       </p:ext>
     </p:extLst>
   </p:cSld>
@@ -2427,7 +2712,7 @@
                   <a:srgbClr val="FF6600"/>
                 </a:solidFill>
               </a:rPr>
-              <a:t>Results</a:t>
+              <a:t>Artificial Neural Network</a:t>
             </a:r>
           </a:p>
         </p:txBody>
@@ -2516,6 +2801,677 @@
           </a:prstGeom>
         </p:spPr>
       </p:pic>
+      <p:pic>
+        <p:nvPicPr>
+          <p:cNvPr id="6" name="Picture 5" descr="A screenshot of a computer&#10;&#10;Description automatically generated with low confidence">
+            <a:extLst>
+              <a:ext uri="{FF2B5EF4-FFF2-40B4-BE49-F238E27FC236}">
+                <a16:creationId xmlns:a16="http://schemas.microsoft.com/office/drawing/2014/main" id="{1EC51788-98F0-F391-4EDE-328B9C5388A6}"/>
+              </a:ext>
+            </a:extLst>
+          </p:cNvPr>
+          <p:cNvPicPr>
+            <a:picLocks noChangeAspect="1"/>
+          </p:cNvPicPr>
+          <p:nvPr/>
+        </p:nvPicPr>
+        <p:blipFill>
+          <a:blip r:embed="rId3">
+            <a:extLst>
+              <a:ext uri="{28A0092B-C50C-407E-A947-70E740481C1C}">
+                <a14:useLocalDpi xmlns:a14="http://schemas.microsoft.com/office/drawing/2010/main" val="0"/>
+              </a:ext>
+            </a:extLst>
+          </a:blip>
+          <a:stretch>
+            <a:fillRect/>
+          </a:stretch>
+        </p:blipFill>
+        <p:spPr>
+          <a:xfrm>
+            <a:off x="237565" y="2423419"/>
+            <a:ext cx="4948517" cy="3066859"/>
+          </a:xfrm>
+          <a:prstGeom prst="rect">
+            <a:avLst/>
+          </a:prstGeom>
+        </p:spPr>
+      </p:pic>
+      <p:pic>
+        <p:nvPicPr>
+          <p:cNvPr id="8" name="Picture 7" descr="Chart&#10;&#10;Description automatically generated">
+            <a:extLst>
+              <a:ext uri="{FF2B5EF4-FFF2-40B4-BE49-F238E27FC236}">
+                <a16:creationId xmlns:a16="http://schemas.microsoft.com/office/drawing/2014/main" id="{C6F966E8-81B6-3FB6-CAC1-683EB7AAE78A}"/>
+              </a:ext>
+            </a:extLst>
+          </p:cNvPr>
+          <p:cNvPicPr>
+            <a:picLocks noChangeAspect="1"/>
+          </p:cNvPicPr>
+          <p:nvPr/>
+        </p:nvPicPr>
+        <p:blipFill>
+          <a:blip r:embed="rId4">
+            <a:extLst>
+              <a:ext uri="{28A0092B-C50C-407E-A947-70E740481C1C}">
+                <a14:useLocalDpi xmlns:a14="http://schemas.microsoft.com/office/drawing/2010/main" val="0"/>
+              </a:ext>
+            </a:extLst>
+          </a:blip>
+          <a:stretch>
+            <a:fillRect/>
+          </a:stretch>
+        </p:blipFill>
+        <p:spPr>
+          <a:xfrm>
+            <a:off x="5558118" y="2151529"/>
+            <a:ext cx="6100483" cy="3563471"/>
+          </a:xfrm>
+          <a:prstGeom prst="rect">
+            <a:avLst/>
+          </a:prstGeom>
+        </p:spPr>
+      </p:pic>
+      <p:sp>
+        <p:nvSpPr>
+          <p:cNvPr id="9" name="TextBox 8">
+            <a:extLst>
+              <a:ext uri="{FF2B5EF4-FFF2-40B4-BE49-F238E27FC236}">
+                <a16:creationId xmlns:a16="http://schemas.microsoft.com/office/drawing/2014/main" id="{0C525805-553E-07F8-DEC4-1C689362DB55}"/>
+              </a:ext>
+            </a:extLst>
+          </p:cNvPr>
+          <p:cNvSpPr txBox="1"/>
+          <p:nvPr/>
+        </p:nvSpPr>
+        <p:spPr>
+          <a:xfrm>
+            <a:off x="2034988" y="5715000"/>
+            <a:ext cx="9318813" cy="923330"/>
+          </a:xfrm>
+          <a:prstGeom prst="rect">
+            <a:avLst/>
+          </a:prstGeom>
+          <a:noFill/>
+        </p:spPr>
+        <p:txBody>
+          <a:bodyPr wrap="square" rtlCol="0">
+            <a:spAutoFit/>
+          </a:bodyPr>
+          <a:lstStyle/>
+          <a:p>
+            <a:r>
+              <a:rPr lang="en-US" dirty="0"/>
+              <a:t>There are very few false positives (predicted value was ‘Yes’, but actual value was ‘No’), but many false negatives (predicted value was ‘No’, when the actual value was ‘Yes’). </a:t>
+            </a:r>
+            <a:r>
+              <a:rPr lang="en-US" dirty="0" err="1"/>
+              <a:t>The</a:t>
+            </a:r>
+            <a:r>
+              <a:rPr lang="en-US" dirty="0"/>
+              <a:t> model was very accurate at predicting ‘No’, but performed poorly when it came to predicting ‘Yes’. </a:t>
+            </a:r>
+          </a:p>
+        </p:txBody>
+      </p:sp>
+    </p:spTree>
+    <p:extLst>
+      <p:ext uri="{BB962C8B-B14F-4D97-AF65-F5344CB8AC3E}">
+        <p14:creationId xmlns:p14="http://schemas.microsoft.com/office/powerpoint/2010/main" val="3752857098"/>
+      </p:ext>
+    </p:extLst>
+  </p:cSld>
+  <p:clrMapOvr>
+    <a:masterClrMapping/>
+  </p:clrMapOvr>
+</p:sld>
+</file>
+
+<file path=ppt/slides/slide17.xml><?xml version="1.0" encoding="utf-8"?>
+<p:sld xmlns:a="http://schemas.openxmlformats.org/drawingml/2006/main" xmlns:r="http://schemas.openxmlformats.org/officeDocument/2006/relationships" xmlns:p="http://schemas.openxmlformats.org/presentationml/2006/main">
+  <p:cSld>
+    <p:spTree>
+      <p:nvGrpSpPr>
+        <p:cNvPr id="1" name=""/>
+        <p:cNvGrpSpPr/>
+        <p:nvPr/>
+      </p:nvGrpSpPr>
+      <p:grpSpPr>
+        <a:xfrm>
+          <a:off x="0" y="0"/>
+          <a:ext cx="0" cy="0"/>
+          <a:chOff x="0" y="0"/>
+          <a:chExt cx="0" cy="0"/>
+        </a:xfrm>
+      </p:grpSpPr>
+      <p:sp>
+        <p:nvSpPr>
+          <p:cNvPr id="2" name="Title 1">
+            <a:extLst>
+              <a:ext uri="{FF2B5EF4-FFF2-40B4-BE49-F238E27FC236}">
+                <a16:creationId xmlns:a16="http://schemas.microsoft.com/office/drawing/2014/main" id="{E8B8F26E-9345-4747-9094-972E38700A17}"/>
+              </a:ext>
+            </a:extLst>
+          </p:cNvPr>
+          <p:cNvSpPr>
+            <a:spLocks noGrp="1"/>
+          </p:cNvSpPr>
+          <p:nvPr>
+            <p:ph type="title"/>
+          </p:nvPr>
+        </p:nvSpPr>
+        <p:spPr>
+          <a:xfrm rot="5400000">
+            <a:off x="5278191" y="-5243846"/>
+            <a:ext cx="1678550" cy="12234932"/>
+          </a:xfrm>
+          <a:solidFill>
+            <a:srgbClr val="3B3B3B"/>
+          </a:solidFill>
+        </p:spPr>
+        <p:txBody>
+          <a:bodyPr vert="vert270" anchor="t" anchorCtr="0">
+            <a:normAutofit/>
+          </a:bodyPr>
+          <a:lstStyle/>
+          <a:p>
+            <a:pPr algn="ctr"/>
+            <a:br>
+              <a:rPr lang="en-US" b="1" dirty="0">
+                <a:solidFill>
+                  <a:srgbClr val="FF6600"/>
+                </a:solidFill>
+              </a:rPr>
+            </a:br>
+            <a:r>
+              <a:rPr lang="en-US" b="1" dirty="0">
+                <a:solidFill>
+                  <a:srgbClr val="FF6600"/>
+                </a:solidFill>
+              </a:rPr>
+              <a:t>Model Evaluation: Selecting the Best Model</a:t>
+            </a:r>
+          </a:p>
+        </p:txBody>
+      </p:sp>
+      <p:sp>
+        <p:nvSpPr>
+          <p:cNvPr id="3" name="Subtitle 2">
+            <a:extLst>
+              <a:ext uri="{FF2B5EF4-FFF2-40B4-BE49-F238E27FC236}">
+                <a16:creationId xmlns:a16="http://schemas.microsoft.com/office/drawing/2014/main" id="{60B3D5A6-E766-7C41-BD00-B22DA4727FBA}"/>
+              </a:ext>
+            </a:extLst>
+          </p:cNvPr>
+          <p:cNvSpPr>
+            <a:spLocks noGrp="1"/>
+          </p:cNvSpPr>
+          <p:nvPr>
+            <p:ph idx="1"/>
+          </p:nvPr>
+        </p:nvSpPr>
+        <p:spPr>
+          <a:xfrm rot="5400000">
+            <a:off x="4235751" y="-1311163"/>
+            <a:ext cx="3777382" cy="10572485"/>
+          </a:xfrm>
+          <a:noFill/>
+        </p:spPr>
+        <p:txBody>
+          <a:bodyPr vert="vert270">
+            <a:normAutofit/>
+          </a:bodyPr>
+          <a:lstStyle/>
+          <a:p>
+            <a:endParaRPr lang="en-US" dirty="0">
+              <a:solidFill>
+                <a:srgbClr val="FF6600"/>
+              </a:solidFill>
+            </a:endParaRPr>
+          </a:p>
+          <a:p>
+            <a:pPr lvl="1"/>
+            <a:endParaRPr lang="en-US" sz="2000" dirty="0"/>
+          </a:p>
+          <a:p>
+            <a:endParaRPr lang="en-US" dirty="0">
+              <a:solidFill>
+                <a:srgbClr val="FF6600"/>
+              </a:solidFill>
+            </a:endParaRPr>
+          </a:p>
+        </p:txBody>
+      </p:sp>
+      <p:pic>
+        <p:nvPicPr>
+          <p:cNvPr id="4" name="Picture 3">
+            <a:extLst>
+              <a:ext uri="{FF2B5EF4-FFF2-40B4-BE49-F238E27FC236}">
+                <a16:creationId xmlns:a16="http://schemas.microsoft.com/office/drawing/2014/main" id="{7A465064-0714-5743-882B-8875105A7023}"/>
+              </a:ext>
+            </a:extLst>
+          </p:cNvPr>
+          <p:cNvPicPr>
+            <a:picLocks noChangeAspect="1"/>
+          </p:cNvPicPr>
+          <p:nvPr/>
+        </p:nvPicPr>
+        <p:blipFill>
+          <a:blip r:embed="rId2" cstate="print">
+            <a:extLst>
+              <a:ext uri="{28A0092B-C50C-407E-A947-70E740481C1C}">
+                <a14:useLocalDpi xmlns:a14="http://schemas.microsoft.com/office/drawing/2010/main" val="0"/>
+              </a:ext>
+            </a:extLst>
+          </a:blip>
+          <a:stretch>
+            <a:fillRect/>
+          </a:stretch>
+        </p:blipFill>
+        <p:spPr>
+          <a:xfrm>
+            <a:off x="0" y="5863771"/>
+            <a:ext cx="1654627" cy="994232"/>
+          </a:xfrm>
+          <a:prstGeom prst="rect">
+            <a:avLst/>
+          </a:prstGeom>
+        </p:spPr>
+      </p:pic>
+      <p:sp>
+        <p:nvSpPr>
+          <p:cNvPr id="5" name="TextBox 4">
+            <a:extLst>
+              <a:ext uri="{FF2B5EF4-FFF2-40B4-BE49-F238E27FC236}">
+                <a16:creationId xmlns:a16="http://schemas.microsoft.com/office/drawing/2014/main" id="{77BF0EC6-DE99-D36D-6270-3B19B80BC3D5}"/>
+              </a:ext>
+            </a:extLst>
+          </p:cNvPr>
+          <p:cNvSpPr txBox="1"/>
+          <p:nvPr/>
+        </p:nvSpPr>
+        <p:spPr>
+          <a:xfrm>
+            <a:off x="1044388" y="2205318"/>
+            <a:ext cx="10215283" cy="2123658"/>
+          </a:xfrm>
+          <a:prstGeom prst="rect">
+            <a:avLst/>
+          </a:prstGeom>
+          <a:noFill/>
+        </p:spPr>
+        <p:txBody>
+          <a:bodyPr wrap="square" rtlCol="0">
+            <a:spAutoFit/>
+          </a:bodyPr>
+          <a:lstStyle/>
+          <a:p>
+            <a:r>
+              <a:rPr lang="en-US" sz="2400" dirty="0"/>
+              <a:t>All 3 of the models had roughly the same accuracy of </a:t>
+            </a:r>
+            <a:r>
+              <a:rPr lang="en-US" sz="2400" b="1" dirty="0"/>
+              <a:t>89%</a:t>
+            </a:r>
+            <a:r>
+              <a:rPr lang="en-US" sz="2400" dirty="0"/>
+              <a:t>. The Artificial Neural Network was slightly better at predicting ‘Yes’ than the other models, but all 3 models had very similar precision, recall, and overall accuracy. We can use any of the 3 models to predict whether a client will subscribe for a term deposit.</a:t>
+            </a:r>
+          </a:p>
+          <a:p>
+            <a:endParaRPr lang="en-US" dirty="0"/>
+          </a:p>
+          <a:p>
+            <a:endParaRPr lang="en-US" dirty="0"/>
+          </a:p>
+        </p:txBody>
+      </p:sp>
+    </p:spTree>
+    <p:extLst>
+      <p:ext uri="{BB962C8B-B14F-4D97-AF65-F5344CB8AC3E}">
+        <p14:creationId xmlns:p14="http://schemas.microsoft.com/office/powerpoint/2010/main" val="3154678756"/>
+      </p:ext>
+    </p:extLst>
+  </p:cSld>
+  <p:clrMapOvr>
+    <a:masterClrMapping/>
+  </p:clrMapOvr>
+</p:sld>
+</file>
+
+<file path=ppt/slides/slide18.xml><?xml version="1.0" encoding="utf-8"?>
+<p:sld xmlns:a="http://schemas.openxmlformats.org/drawingml/2006/main" xmlns:r="http://schemas.openxmlformats.org/officeDocument/2006/relationships" xmlns:p="http://schemas.openxmlformats.org/presentationml/2006/main">
+  <p:cSld>
+    <p:spTree>
+      <p:nvGrpSpPr>
+        <p:cNvPr id="1" name=""/>
+        <p:cNvGrpSpPr/>
+        <p:nvPr/>
+      </p:nvGrpSpPr>
+      <p:grpSpPr>
+        <a:xfrm>
+          <a:off x="0" y="0"/>
+          <a:ext cx="0" cy="0"/>
+          <a:chOff x="0" y="0"/>
+          <a:chExt cx="0" cy="0"/>
+        </a:xfrm>
+      </p:grpSpPr>
+      <p:sp>
+        <p:nvSpPr>
+          <p:cNvPr id="2" name="Title 1">
+            <a:extLst>
+              <a:ext uri="{FF2B5EF4-FFF2-40B4-BE49-F238E27FC236}">
+                <a16:creationId xmlns:a16="http://schemas.microsoft.com/office/drawing/2014/main" id="{E8B8F26E-9345-4747-9094-972E38700A17}"/>
+              </a:ext>
+            </a:extLst>
+          </p:cNvPr>
+          <p:cNvSpPr>
+            <a:spLocks noGrp="1"/>
+          </p:cNvSpPr>
+          <p:nvPr>
+            <p:ph type="title"/>
+          </p:nvPr>
+        </p:nvSpPr>
+        <p:spPr>
+          <a:xfrm rot="5400000">
+            <a:off x="5278191" y="-5243846"/>
+            <a:ext cx="1678550" cy="12234932"/>
+          </a:xfrm>
+          <a:solidFill>
+            <a:srgbClr val="3B3B3B"/>
+          </a:solidFill>
+        </p:spPr>
+        <p:txBody>
+          <a:bodyPr vert="vert270" anchor="t" anchorCtr="0">
+            <a:normAutofit/>
+          </a:bodyPr>
+          <a:lstStyle/>
+          <a:p>
+            <a:pPr algn="ctr"/>
+            <a:br>
+              <a:rPr lang="en-US" b="1" dirty="0">
+                <a:solidFill>
+                  <a:srgbClr val="FF6600"/>
+                </a:solidFill>
+              </a:rPr>
+            </a:br>
+            <a:r>
+              <a:rPr lang="en-US" b="1" dirty="0">
+                <a:solidFill>
+                  <a:srgbClr val="FF6600"/>
+                </a:solidFill>
+              </a:rPr>
+              <a:t>Results</a:t>
+            </a:r>
+          </a:p>
+        </p:txBody>
+      </p:sp>
+      <p:sp>
+        <p:nvSpPr>
+          <p:cNvPr id="3" name="Subtitle 2">
+            <a:extLst>
+              <a:ext uri="{FF2B5EF4-FFF2-40B4-BE49-F238E27FC236}">
+                <a16:creationId xmlns:a16="http://schemas.microsoft.com/office/drawing/2014/main" id="{60B3D5A6-E766-7C41-BD00-B22DA4727FBA}"/>
+              </a:ext>
+            </a:extLst>
+          </p:cNvPr>
+          <p:cNvSpPr>
+            <a:spLocks noGrp="1"/>
+          </p:cNvSpPr>
+          <p:nvPr>
+            <p:ph idx="1"/>
+          </p:nvPr>
+        </p:nvSpPr>
+        <p:spPr>
+          <a:xfrm rot="5400000">
+            <a:off x="5367970" y="-2443382"/>
+            <a:ext cx="1512943" cy="10572485"/>
+          </a:xfrm>
+          <a:noFill/>
+        </p:spPr>
+        <p:txBody>
+          <a:bodyPr vert="vert270">
+            <a:normAutofit/>
+          </a:bodyPr>
+          <a:lstStyle/>
+          <a:p>
+            <a:endParaRPr lang="en-US" dirty="0">
+              <a:solidFill>
+                <a:srgbClr val="FF6600"/>
+              </a:solidFill>
+            </a:endParaRPr>
+          </a:p>
+          <a:p>
+            <a:pPr lvl="1"/>
+            <a:endParaRPr lang="en-US" sz="2000" dirty="0"/>
+          </a:p>
+          <a:p>
+            <a:pPr marL="0" indent="0">
+              <a:buNone/>
+            </a:pPr>
+            <a:endParaRPr lang="en-US" dirty="0">
+              <a:solidFill>
+                <a:srgbClr val="FF6600"/>
+              </a:solidFill>
+            </a:endParaRPr>
+          </a:p>
+        </p:txBody>
+      </p:sp>
+      <p:pic>
+        <p:nvPicPr>
+          <p:cNvPr id="4" name="Picture 3">
+            <a:extLst>
+              <a:ext uri="{FF2B5EF4-FFF2-40B4-BE49-F238E27FC236}">
+                <a16:creationId xmlns:a16="http://schemas.microsoft.com/office/drawing/2014/main" id="{7A465064-0714-5743-882B-8875105A7023}"/>
+              </a:ext>
+            </a:extLst>
+          </p:cNvPr>
+          <p:cNvPicPr>
+            <a:picLocks noChangeAspect="1"/>
+          </p:cNvPicPr>
+          <p:nvPr/>
+        </p:nvPicPr>
+        <p:blipFill>
+          <a:blip r:embed="rId2" cstate="print">
+            <a:extLst>
+              <a:ext uri="{28A0092B-C50C-407E-A947-70E740481C1C}">
+                <a14:useLocalDpi xmlns:a14="http://schemas.microsoft.com/office/drawing/2010/main" val="0"/>
+              </a:ext>
+            </a:extLst>
+          </a:blip>
+          <a:stretch>
+            <a:fillRect/>
+          </a:stretch>
+        </p:blipFill>
+        <p:spPr>
+          <a:xfrm>
+            <a:off x="0" y="5863771"/>
+            <a:ext cx="1654627" cy="994232"/>
+          </a:xfrm>
+          <a:prstGeom prst="rect">
+            <a:avLst/>
+          </a:prstGeom>
+        </p:spPr>
+      </p:pic>
+      <p:sp>
+        <p:nvSpPr>
+          <p:cNvPr id="5" name="TextBox 4">
+            <a:extLst>
+              <a:ext uri="{FF2B5EF4-FFF2-40B4-BE49-F238E27FC236}">
+                <a16:creationId xmlns:a16="http://schemas.microsoft.com/office/drawing/2014/main" id="{1AB19484-0F4D-9684-C047-2C66E9EB629A}"/>
+              </a:ext>
+            </a:extLst>
+          </p:cNvPr>
+          <p:cNvSpPr txBox="1"/>
+          <p:nvPr/>
+        </p:nvSpPr>
+        <p:spPr>
+          <a:xfrm>
+            <a:off x="838199" y="2003612"/>
+            <a:ext cx="10676966" cy="2031325"/>
+          </a:xfrm>
+          <a:prstGeom prst="rect">
+            <a:avLst/>
+          </a:prstGeom>
+          <a:noFill/>
+        </p:spPr>
+        <p:txBody>
+          <a:bodyPr wrap="square" rtlCol="0">
+            <a:spAutoFit/>
+          </a:bodyPr>
+          <a:lstStyle/>
+          <a:p>
+            <a:r>
+              <a:rPr lang="en-US" dirty="0"/>
+              <a:t>According to the results of the Logistic Regression Model, clients are </a:t>
+            </a:r>
+            <a:r>
+              <a:rPr lang="en-US" b="1" dirty="0"/>
+              <a:t>more likely to subscribe for a term deposit </a:t>
+            </a:r>
+            <a:r>
+              <a:rPr lang="en-US" dirty="0"/>
+              <a:t>if:</a:t>
+            </a:r>
+          </a:p>
+          <a:p>
+            <a:pPr marL="285750" indent="-285750">
+              <a:buFont typeface="Arial" panose="020B0604020202020204" pitchFamily="34" charset="0"/>
+              <a:buChar char="•"/>
+            </a:pPr>
+            <a:r>
+              <a:rPr lang="en-US" dirty="0"/>
+              <a:t> The outcome of the previous campaign was successful</a:t>
+            </a:r>
+          </a:p>
+          <a:p>
+            <a:pPr marL="285750" indent="-285750">
+              <a:buFont typeface="Arial" panose="020B0604020202020204" pitchFamily="34" charset="0"/>
+              <a:buChar char="•"/>
+            </a:pPr>
+            <a:r>
+              <a:rPr lang="en-US" dirty="0"/>
+              <a:t>It is the month of March, October, September, or December (from most likely to least likely)</a:t>
+            </a:r>
+          </a:p>
+          <a:p>
+            <a:pPr marL="285750" indent="-285750">
+              <a:buFont typeface="Arial" panose="020B0604020202020204" pitchFamily="34" charset="0"/>
+              <a:buChar char="•"/>
+            </a:pPr>
+            <a:r>
+              <a:rPr lang="en-US" dirty="0"/>
+              <a:t>They are contacted by cell phone</a:t>
+            </a:r>
+          </a:p>
+          <a:p>
+            <a:pPr marL="285750" indent="-285750">
+              <a:buFont typeface="Arial" panose="020B0604020202020204" pitchFamily="34" charset="0"/>
+              <a:buChar char="•"/>
+            </a:pPr>
+            <a:r>
+              <a:rPr lang="en-US" dirty="0"/>
+              <a:t>They are retired or a student</a:t>
+            </a:r>
+          </a:p>
+          <a:p>
+            <a:pPr marL="285750" indent="-285750">
+              <a:buFont typeface="Arial" panose="020B0604020202020204" pitchFamily="34" charset="0"/>
+              <a:buChar char="•"/>
+            </a:pPr>
+            <a:endParaRPr lang="en-US" dirty="0"/>
+          </a:p>
+        </p:txBody>
+      </p:sp>
+      <p:sp>
+        <p:nvSpPr>
+          <p:cNvPr id="6" name="TextBox 5">
+            <a:extLst>
+              <a:ext uri="{FF2B5EF4-FFF2-40B4-BE49-F238E27FC236}">
+                <a16:creationId xmlns:a16="http://schemas.microsoft.com/office/drawing/2014/main" id="{8D9820DE-5DEC-85DA-B606-C72C0D4B605C}"/>
+              </a:ext>
+            </a:extLst>
+          </p:cNvPr>
+          <p:cNvSpPr txBox="1"/>
+          <p:nvPr/>
+        </p:nvSpPr>
+        <p:spPr>
+          <a:xfrm>
+            <a:off x="838200" y="3850341"/>
+            <a:ext cx="10676966" cy="1754326"/>
+          </a:xfrm>
+          <a:prstGeom prst="rect">
+            <a:avLst/>
+          </a:prstGeom>
+          <a:noFill/>
+        </p:spPr>
+        <p:txBody>
+          <a:bodyPr wrap="square" rtlCol="0">
+            <a:spAutoFit/>
+          </a:bodyPr>
+          <a:lstStyle/>
+          <a:p>
+            <a:r>
+              <a:rPr lang="en-US" dirty="0"/>
+              <a:t>According to the results of the Logistic Regression Model, clients are </a:t>
+            </a:r>
+            <a:r>
+              <a:rPr lang="en-US" b="1" dirty="0"/>
+              <a:t>less likely to subscribe for a term deposit </a:t>
+            </a:r>
+            <a:r>
+              <a:rPr lang="en-US" dirty="0"/>
+              <a:t>if:</a:t>
+            </a:r>
+          </a:p>
+          <a:p>
+            <a:pPr marL="285750" indent="-285750">
+              <a:buFont typeface="Arial" panose="020B0604020202020204" pitchFamily="34" charset="0"/>
+              <a:buChar char="•"/>
+            </a:pPr>
+            <a:r>
+              <a:rPr lang="en-US" dirty="0"/>
+              <a:t> It is the month of January, November, August, or July (from least likely to most likely)</a:t>
+            </a:r>
+          </a:p>
+          <a:p>
+            <a:pPr marL="285750" indent="-285750">
+              <a:buFont typeface="Arial" panose="020B0604020202020204" pitchFamily="34" charset="0"/>
+              <a:buChar char="•"/>
+            </a:pPr>
+            <a:r>
+              <a:rPr lang="en-US" dirty="0"/>
+              <a:t>Method of contact is unknown</a:t>
+            </a:r>
+          </a:p>
+          <a:p>
+            <a:pPr marL="285750" indent="-285750">
+              <a:buFont typeface="Arial" panose="020B0604020202020204" pitchFamily="34" charset="0"/>
+              <a:buChar char="•"/>
+            </a:pPr>
+            <a:r>
+              <a:rPr lang="en-US" dirty="0"/>
+              <a:t>The outcome of the previous campaign was a failure or unknown</a:t>
+            </a:r>
+          </a:p>
+          <a:p>
+            <a:pPr marL="285750" indent="-285750">
+              <a:buFont typeface="Arial" panose="020B0604020202020204" pitchFamily="34" charset="0"/>
+              <a:buChar char="•"/>
+            </a:pPr>
+            <a:r>
+              <a:rPr lang="en-US" dirty="0"/>
+              <a:t>The client has a housing loan or personal loan</a:t>
+            </a:r>
+          </a:p>
+          <a:p>
+            <a:endParaRPr lang="en-US" dirty="0"/>
+          </a:p>
+        </p:txBody>
+      </p:sp>
     </p:spTree>
     <p:extLst>
       <p:ext uri="{BB962C8B-B14F-4D97-AF65-F5344CB8AC3E}">
@@ -2621,7 +3577,7 @@
         </p:spPr>
         <p:txBody>
           <a:bodyPr vert="vert270">
-            <a:normAutofit lnSpcReduction="10000"/>
+            <a:normAutofit fontScale="92500" lnSpcReduction="20000"/>
           </a:bodyPr>
           <a:lstStyle/>
           <a:p>
@@ -2690,7 +3646,21 @@
             <a:pPr lvl="1"/>
             <a:r>
               <a:rPr lang="en-US" sz="2000" dirty="0"/>
-              <a:t>Machine Learning Methods (Random Forest, Artificial Neural Network, Support Vector Machine, Naive Bayes Classifier)</a:t>
+              <a:t>Machine Learning Methods</a:t>
+            </a:r>
+          </a:p>
+          <a:p>
+            <a:pPr lvl="2"/>
+            <a:r>
+              <a:rPr lang="en-US" sz="1600" dirty="0"/>
+              <a:t>Ensemble (Random Forest)</a:t>
+            </a:r>
+          </a:p>
+          <a:p>
+            <a:pPr lvl="2"/>
+            <a:r>
+              <a:rPr lang="en-US" sz="1600" dirty="0"/>
+              <a:t>Deep Learning (Artificial Neural Network)</a:t>
             </a:r>
           </a:p>
           <a:p>
@@ -4273,7 +5243,7 @@
                   <a:srgbClr val="FF6600"/>
                 </a:solidFill>
               </a:rPr>
-              <a:t>Logistic Regression Model</a:t>
+              <a:t>Exploratory Data Analysis</a:t>
             </a:r>
           </a:p>
         </p:txBody>
@@ -4307,13 +5277,6 @@
           </a:bodyPr>
           <a:lstStyle/>
           <a:p>
-            <a:endParaRPr lang="en-US" dirty="0">
-              <a:solidFill>
-                <a:srgbClr val="FF6600"/>
-              </a:solidFill>
-            </a:endParaRPr>
-          </a:p>
-          <a:p>
             <a:pPr lvl="1"/>
             <a:endParaRPr lang="en-US" sz="2000" dirty="0"/>
           </a:p>
@@ -4362,82 +5325,10 @@
           </a:prstGeom>
         </p:spPr>
       </p:pic>
-      <p:pic>
-        <p:nvPicPr>
-          <p:cNvPr id="6" name="Picture 5" descr="Chart, bar chart&#10;&#10;Description automatically generated">
-            <a:extLst>
-              <a:ext uri="{FF2B5EF4-FFF2-40B4-BE49-F238E27FC236}">
-                <a16:creationId xmlns:a16="http://schemas.microsoft.com/office/drawing/2014/main" id="{21F55F23-8673-C5FA-464A-28EE0F762CA2}"/>
-              </a:ext>
-            </a:extLst>
-          </p:cNvPr>
-          <p:cNvPicPr>
-            <a:picLocks noChangeAspect="1"/>
-          </p:cNvPicPr>
-          <p:nvPr/>
-        </p:nvPicPr>
-        <p:blipFill>
-          <a:blip r:embed="rId3">
-            <a:extLst>
-              <a:ext uri="{28A0092B-C50C-407E-A947-70E740481C1C}">
-                <a14:useLocalDpi xmlns:a14="http://schemas.microsoft.com/office/drawing/2010/main" val="0"/>
-              </a:ext>
-            </a:extLst>
-          </a:blip>
-          <a:stretch>
-            <a:fillRect/>
-          </a:stretch>
-        </p:blipFill>
-        <p:spPr>
-          <a:xfrm>
-            <a:off x="598428" y="2086388"/>
-            <a:ext cx="5260007" cy="3631746"/>
-          </a:xfrm>
-          <a:prstGeom prst="rect">
-            <a:avLst/>
-          </a:prstGeom>
-        </p:spPr>
-      </p:pic>
-      <p:pic>
-        <p:nvPicPr>
-          <p:cNvPr id="8" name="Picture 7" descr="Chart&#10;&#10;Description automatically generated">
-            <a:extLst>
-              <a:ext uri="{FF2B5EF4-FFF2-40B4-BE49-F238E27FC236}">
-                <a16:creationId xmlns:a16="http://schemas.microsoft.com/office/drawing/2014/main" id="{DCD49042-9F42-3F38-D1F2-2A725E75D918}"/>
-              </a:ext>
-            </a:extLst>
-          </p:cNvPr>
-          <p:cNvPicPr>
-            <a:picLocks noChangeAspect="1"/>
-          </p:cNvPicPr>
-          <p:nvPr/>
-        </p:nvPicPr>
-        <p:blipFill>
-          <a:blip r:embed="rId4">
-            <a:extLst>
-              <a:ext uri="{28A0092B-C50C-407E-A947-70E740481C1C}">
-                <a14:useLocalDpi xmlns:a14="http://schemas.microsoft.com/office/drawing/2010/main" val="0"/>
-              </a:ext>
-            </a:extLst>
-          </a:blip>
-          <a:stretch>
-            <a:fillRect/>
-          </a:stretch>
-        </p:blipFill>
-        <p:spPr>
-          <a:xfrm>
-            <a:off x="6124442" y="2086388"/>
-            <a:ext cx="5619323" cy="3592753"/>
-          </a:xfrm>
-          <a:prstGeom prst="rect">
-            <a:avLst/>
-          </a:prstGeom>
-        </p:spPr>
-      </p:pic>
     </p:spTree>
     <p:extLst>
       <p:ext uri="{BB962C8B-B14F-4D97-AF65-F5344CB8AC3E}">
-        <p14:creationId xmlns:p14="http://schemas.microsoft.com/office/powerpoint/2010/main" val="2725937870"/>
+        <p14:creationId xmlns:p14="http://schemas.microsoft.com/office/powerpoint/2010/main" val="3501307056"/>
       </p:ext>
     </p:extLst>
   </p:cSld>

--- a/Bank Marketing Campaign.pptx
+++ b/Bank Marketing Campaign.pptx
@@ -8,21 +8,23 @@
     <p:sldId id="257" r:id="rId2"/>
     <p:sldId id="258" r:id="rId3"/>
     <p:sldId id="261" r:id="rId4"/>
-    <p:sldId id="259" r:id="rId5"/>
-    <p:sldId id="262" r:id="rId6"/>
-    <p:sldId id="263" r:id="rId7"/>
-    <p:sldId id="264" r:id="rId8"/>
-    <p:sldId id="265" r:id="rId9"/>
-    <p:sldId id="276" r:id="rId10"/>
-    <p:sldId id="278" r:id="rId11"/>
-    <p:sldId id="277" r:id="rId12"/>
-    <p:sldId id="266" r:id="rId13"/>
-    <p:sldId id="274" r:id="rId14"/>
-    <p:sldId id="267" r:id="rId15"/>
-    <p:sldId id="275" r:id="rId16"/>
-    <p:sldId id="269" r:id="rId17"/>
-    <p:sldId id="270" r:id="rId18"/>
-    <p:sldId id="272" r:id="rId19"/>
+    <p:sldId id="262" r:id="rId5"/>
+    <p:sldId id="263" r:id="rId6"/>
+    <p:sldId id="279" r:id="rId7"/>
+    <p:sldId id="259" r:id="rId8"/>
+    <p:sldId id="264" r:id="rId9"/>
+    <p:sldId id="265" r:id="rId10"/>
+    <p:sldId id="276" r:id="rId11"/>
+    <p:sldId id="278" r:id="rId12"/>
+    <p:sldId id="277" r:id="rId13"/>
+    <p:sldId id="280" r:id="rId14"/>
+    <p:sldId id="266" r:id="rId15"/>
+    <p:sldId id="274" r:id="rId16"/>
+    <p:sldId id="267" r:id="rId17"/>
+    <p:sldId id="275" r:id="rId18"/>
+    <p:sldId id="269" r:id="rId19"/>
+    <p:sldId id="270" r:id="rId20"/>
+    <p:sldId id="272" r:id="rId21"/>
   </p:sldIdLst>
   <p:sldSz cx="12192000" cy="6858000"/>
   <p:notesSz cx="6858000" cy="9144000"/>
@@ -1437,26 +1439,24 @@
         </p:nvSpPr>
         <p:spPr>
           <a:xfrm rot="5400000">
-            <a:off x="4235751" y="-1311163"/>
-            <a:ext cx="3777382" cy="10572485"/>
+            <a:off x="1577619" y="2937978"/>
+            <a:ext cx="1772356" cy="4427149"/>
           </a:xfrm>
           <a:noFill/>
         </p:spPr>
         <p:txBody>
           <a:bodyPr vert="vert270">
-            <a:normAutofit/>
+            <a:noAutofit/>
           </a:bodyPr>
           <a:lstStyle/>
           <a:p>
-            <a:pPr lvl="1"/>
-            <a:endParaRPr lang="en-US" sz="2000" dirty="0"/>
-          </a:p>
-          <a:p>
-            <a:endParaRPr lang="en-US" dirty="0">
-              <a:solidFill>
-                <a:srgbClr val="FF6600"/>
-              </a:solidFill>
-            </a:endParaRPr>
+            <a:pPr marL="0" indent="0">
+              <a:buNone/>
+            </a:pPr>
+            <a:r>
+              <a:rPr lang="en-US" sz="1600" dirty="0"/>
+              <a:t>After looking at the scatterplots and box plots of the data, we examined the distributions of the target variable (above), and the feature variables (to the right) using histograms. The target variable appears to be unbalanced, with most clients choosing not to subscribe for a term deposit and very few clients choosing to subscribe for a term deposit. Note that the histograms of the feature variables were constructed before transforming the data.</a:t>
+            </a:r>
           </a:p>
         </p:txBody>
       </p:sp>
@@ -1488,18 +1488,112 @@
         </p:blipFill>
         <p:spPr>
           <a:xfrm>
-            <a:off x="0" y="5863771"/>
+            <a:off x="0" y="6159606"/>
             <a:ext cx="1654627" cy="994232"/>
           </a:xfrm>
           <a:prstGeom prst="rect">
             <a:avLst/>
           </a:prstGeom>
+        </p:spPr>
+      </p:pic>
+      <p:pic>
+        <p:nvPicPr>
+          <p:cNvPr id="4098" name="Picture 2">
+            <a:extLst>
+              <a:ext uri="{FF2B5EF4-FFF2-40B4-BE49-F238E27FC236}">
+                <a16:creationId xmlns:a16="http://schemas.microsoft.com/office/drawing/2014/main" id="{BA4150A5-F181-965F-8D0B-280F80457043}"/>
+              </a:ext>
+            </a:extLst>
+          </p:cNvPr>
+          <p:cNvPicPr>
+            <a:picLocks noChangeAspect="1" noChangeArrowheads="1"/>
+          </p:cNvPicPr>
+          <p:nvPr/>
+        </p:nvPicPr>
+        <p:blipFill>
+          <a:blip r:embed="rId3">
+            <a:extLst>
+              <a:ext uri="{28A0092B-C50C-407E-A947-70E740481C1C}">
+                <a14:useLocalDpi xmlns:a14="http://schemas.microsoft.com/office/drawing/2010/main" val="0"/>
+              </a:ext>
+            </a:extLst>
+          </a:blip>
+          <a:srcRect/>
+          <a:stretch>
+            <a:fillRect/>
+          </a:stretch>
+        </p:blipFill>
+        <p:spPr bwMode="auto">
+          <a:xfrm>
+            <a:off x="754422" y="1941429"/>
+            <a:ext cx="3838575" cy="2370596"/>
+          </a:xfrm>
+          <a:prstGeom prst="rect">
+            <a:avLst/>
+          </a:prstGeom>
+          <a:noFill/>
+          <a:extLst>
+            <a:ext uri="{909E8E84-426E-40DD-AFC4-6F175D3DCCD1}">
+              <a14:hiddenFill xmlns:a14="http://schemas.microsoft.com/office/drawing/2010/main">
+                <a:solidFill>
+                  <a:srgbClr val="FFFFFF"/>
+                </a:solidFill>
+              </a14:hiddenFill>
+            </a:ext>
+          </a:extLst>
+        </p:spPr>
+      </p:pic>
+      <p:pic>
+        <p:nvPicPr>
+          <p:cNvPr id="4100" name="Picture 4">
+            <a:extLst>
+              <a:ext uri="{FF2B5EF4-FFF2-40B4-BE49-F238E27FC236}">
+                <a16:creationId xmlns:a16="http://schemas.microsoft.com/office/drawing/2014/main" id="{29B4E3F0-250B-BC0E-D11B-4985E3E9D2CF}"/>
+              </a:ext>
+            </a:extLst>
+          </p:cNvPr>
+          <p:cNvPicPr>
+            <a:picLocks noChangeAspect="1" noChangeArrowheads="1"/>
+          </p:cNvPicPr>
+          <p:nvPr/>
+        </p:nvPicPr>
+        <p:blipFill>
+          <a:blip r:embed="rId4">
+            <a:extLst>
+              <a:ext uri="{28A0092B-C50C-407E-A947-70E740481C1C}">
+                <a14:useLocalDpi xmlns:a14="http://schemas.microsoft.com/office/drawing/2010/main" val="0"/>
+              </a:ext>
+            </a:extLst>
+          </a:blip>
+          <a:srcRect/>
+          <a:stretch>
+            <a:fillRect/>
+          </a:stretch>
+        </p:blipFill>
+        <p:spPr bwMode="auto">
+          <a:xfrm>
+            <a:off x="4761747" y="1963840"/>
+            <a:ext cx="7080250" cy="4771612"/>
+          </a:xfrm>
+          <a:prstGeom prst="rect">
+            <a:avLst/>
+          </a:prstGeom>
+          <a:noFill/>
+          <a:extLst>
+            <a:ext uri="{909E8E84-426E-40DD-AFC4-6F175D3DCCD1}">
+              <a14:hiddenFill xmlns:a14="http://schemas.microsoft.com/office/drawing/2010/main">
+                <a:solidFill>
+                  <a:srgbClr val="FFFFFF"/>
+                </a:solidFill>
+              </a14:hiddenFill>
+            </a:ext>
+          </a:extLst>
         </p:spPr>
       </p:pic>
     </p:spTree>
     <p:extLst>
       <p:ext uri="{BB962C8B-B14F-4D97-AF65-F5344CB8AC3E}">
-        <p14:creationId xmlns:p14="http://schemas.microsoft.com/office/powerpoint/2010/main" val="547558736"/>
+        <p14:creationId xmlns:p14="http://schemas.microsoft.com/office/powerpoint/2010/main" val="3501307056"/>
       </p:ext>
     </p:extLst>
   </p:cSld>
@@ -1645,7 +1739,7 @@
         </p:blipFill>
         <p:spPr>
           <a:xfrm>
-            <a:off x="0" y="5863771"/>
+            <a:off x="-80682" y="6120800"/>
             <a:ext cx="1654627" cy="994232"/>
           </a:xfrm>
           <a:prstGeom prst="rect">
@@ -1653,10 +1747,176 @@
           </a:prstGeom>
         </p:spPr>
       </p:pic>
+      <p:pic>
+        <p:nvPicPr>
+          <p:cNvPr id="5122" name="Picture 2">
+            <a:extLst>
+              <a:ext uri="{FF2B5EF4-FFF2-40B4-BE49-F238E27FC236}">
+                <a16:creationId xmlns:a16="http://schemas.microsoft.com/office/drawing/2014/main" id="{29639D00-19A8-3CA7-8038-F636A59E76C9}"/>
+              </a:ext>
+            </a:extLst>
+          </p:cNvPr>
+          <p:cNvPicPr>
+            <a:picLocks noChangeAspect="1" noChangeArrowheads="1"/>
+          </p:cNvPicPr>
+          <p:nvPr/>
+        </p:nvPicPr>
+        <p:blipFill>
+          <a:blip r:embed="rId3">
+            <a:extLst>
+              <a:ext uri="{28A0092B-C50C-407E-A947-70E740481C1C}">
+                <a14:useLocalDpi xmlns:a14="http://schemas.microsoft.com/office/drawing/2010/main" val="0"/>
+              </a:ext>
+            </a:extLst>
+          </a:blip>
+          <a:srcRect/>
+          <a:stretch>
+            <a:fillRect/>
+          </a:stretch>
+        </p:blipFill>
+        <p:spPr bwMode="auto">
+          <a:xfrm>
+            <a:off x="201892" y="2366682"/>
+            <a:ext cx="5365190" cy="3939989"/>
+          </a:xfrm>
+          <a:prstGeom prst="rect">
+            <a:avLst/>
+          </a:prstGeom>
+          <a:noFill/>
+          <a:extLst>
+            <a:ext uri="{909E8E84-426E-40DD-AFC4-6F175D3DCCD1}">
+              <a14:hiddenFill xmlns:a14="http://schemas.microsoft.com/office/drawing/2010/main">
+                <a:solidFill>
+                  <a:srgbClr val="FFFFFF"/>
+                </a:solidFill>
+              </a14:hiddenFill>
+            </a:ext>
+          </a:extLst>
+        </p:spPr>
+      </p:pic>
+      <p:pic>
+        <p:nvPicPr>
+          <p:cNvPr id="5124" name="Picture 4">
+            <a:extLst>
+              <a:ext uri="{FF2B5EF4-FFF2-40B4-BE49-F238E27FC236}">
+                <a16:creationId xmlns:a16="http://schemas.microsoft.com/office/drawing/2014/main" id="{517AC31E-6858-8560-B9D0-48F2BF3F0646}"/>
+              </a:ext>
+            </a:extLst>
+          </p:cNvPr>
+          <p:cNvPicPr>
+            <a:picLocks noChangeAspect="1" noChangeArrowheads="1"/>
+          </p:cNvPicPr>
+          <p:nvPr/>
+        </p:nvPicPr>
+        <p:blipFill>
+          <a:blip r:embed="rId4">
+            <a:extLst>
+              <a:ext uri="{28A0092B-C50C-407E-A947-70E740481C1C}">
+                <a14:useLocalDpi xmlns:a14="http://schemas.microsoft.com/office/drawing/2010/main" val="0"/>
+              </a:ext>
+            </a:extLst>
+          </a:blip>
+          <a:srcRect/>
+          <a:stretch>
+            <a:fillRect/>
+          </a:stretch>
+        </p:blipFill>
+        <p:spPr bwMode="auto">
+          <a:xfrm>
+            <a:off x="6096001" y="2281518"/>
+            <a:ext cx="5950992" cy="3839282"/>
+          </a:xfrm>
+          <a:prstGeom prst="rect">
+            <a:avLst/>
+          </a:prstGeom>
+          <a:noFill/>
+          <a:extLst>
+            <a:ext uri="{909E8E84-426E-40DD-AFC4-6F175D3DCCD1}">
+              <a14:hiddenFill xmlns:a14="http://schemas.microsoft.com/office/drawing/2010/main">
+                <a:solidFill>
+                  <a:srgbClr val="FFFFFF"/>
+                </a:solidFill>
+              </a14:hiddenFill>
+            </a:ext>
+          </a:extLst>
+        </p:spPr>
+      </p:pic>
+      <p:sp>
+        <p:nvSpPr>
+          <p:cNvPr id="5" name="TextBox 4">
+            <a:extLst>
+              <a:ext uri="{FF2B5EF4-FFF2-40B4-BE49-F238E27FC236}">
+                <a16:creationId xmlns:a16="http://schemas.microsoft.com/office/drawing/2014/main" id="{8B0635EA-9DA1-D7C5-8046-5AA4C68B3AF0}"/>
+              </a:ext>
+            </a:extLst>
+          </p:cNvPr>
+          <p:cNvSpPr txBox="1"/>
+          <p:nvPr/>
+        </p:nvSpPr>
+        <p:spPr>
+          <a:xfrm>
+            <a:off x="358588" y="1783976"/>
+            <a:ext cx="5163671" cy="369332"/>
+          </a:xfrm>
+          <a:prstGeom prst="rect">
+            <a:avLst/>
+          </a:prstGeom>
+          <a:noFill/>
+        </p:spPr>
+        <p:txBody>
+          <a:bodyPr wrap="square" rtlCol="0">
+            <a:spAutoFit/>
+          </a:bodyPr>
+          <a:lstStyle/>
+          <a:p>
+            <a:pPr algn="ctr"/>
+            <a:r>
+              <a:rPr lang="en-US" b="1" dirty="0"/>
+              <a:t>Clients Who Subscribed for a Term Deposit</a:t>
+            </a:r>
+          </a:p>
+        </p:txBody>
+      </p:sp>
+      <p:sp>
+        <p:nvSpPr>
+          <p:cNvPr id="6" name="TextBox 5">
+            <a:extLst>
+              <a:ext uri="{FF2B5EF4-FFF2-40B4-BE49-F238E27FC236}">
+                <a16:creationId xmlns:a16="http://schemas.microsoft.com/office/drawing/2014/main" id="{0F7E883C-29B0-3375-E13A-3D5CCBE9552B}"/>
+              </a:ext>
+            </a:extLst>
+          </p:cNvPr>
+          <p:cNvSpPr txBox="1"/>
+          <p:nvPr/>
+        </p:nvSpPr>
+        <p:spPr>
+          <a:xfrm>
+            <a:off x="6297706" y="1842247"/>
+            <a:ext cx="5638800" cy="369332"/>
+          </a:xfrm>
+          <a:prstGeom prst="rect">
+            <a:avLst/>
+          </a:prstGeom>
+          <a:noFill/>
+        </p:spPr>
+        <p:txBody>
+          <a:bodyPr wrap="square" rtlCol="0">
+            <a:spAutoFit/>
+          </a:bodyPr>
+          <a:lstStyle/>
+          <a:p>
+            <a:pPr algn="ctr"/>
+            <a:r>
+              <a:rPr lang="en-US" b="1" dirty="0"/>
+              <a:t>Clients Who Did Not Subscribe for a Term Deposit</a:t>
+            </a:r>
+          </a:p>
+        </p:txBody>
+      </p:sp>
     </p:spTree>
     <p:extLst>
       <p:ext uri="{BB962C8B-B14F-4D97-AF65-F5344CB8AC3E}">
-        <p14:creationId xmlns:p14="http://schemas.microsoft.com/office/powerpoint/2010/main" val="4229592414"/>
+        <p14:creationId xmlns:p14="http://schemas.microsoft.com/office/powerpoint/2010/main" val="547558736"/>
       </p:ext>
     </p:extLst>
   </p:cSld>
@@ -1728,7 +1988,7 @@
                   <a:srgbClr val="FF6600"/>
                 </a:solidFill>
               </a:rPr>
-              <a:t>Logistic Regression Model</a:t>
+              <a:t>Exploratory Data Analysis</a:t>
             </a:r>
           </a:p>
         </p:txBody>
@@ -1762,23 +2022,16 @@
           </a:bodyPr>
           <a:lstStyle/>
           <a:p>
+            <a:pPr lvl="1"/>
+            <a:endParaRPr lang="en-US" sz="2000" dirty="0"/>
+          </a:p>
+          <a:p>
             <a:endParaRPr lang="en-US" dirty="0">
               <a:solidFill>
                 <a:srgbClr val="FF6600"/>
               </a:solidFill>
             </a:endParaRPr>
           </a:p>
-          <a:p>
-            <a:pPr lvl="1"/>
-            <a:endParaRPr lang="en-US" sz="2000" dirty="0"/>
-          </a:p>
-          <a:p>
-            <a:endParaRPr lang="en-US" dirty="0">
-              <a:solidFill>
-                <a:srgbClr val="FF6600"/>
-              </a:solidFill>
-            </a:endParaRPr>
-          </a:p>
         </p:txBody>
       </p:sp>
       <p:pic>
@@ -1819,10 +2072,10 @@
       </p:pic>
       <p:pic>
         <p:nvPicPr>
-          <p:cNvPr id="6" name="Picture 5" descr="Chart, bar chart&#10;&#10;Description automatically generated">
-            <a:extLst>
-              <a:ext uri="{FF2B5EF4-FFF2-40B4-BE49-F238E27FC236}">
-                <a16:creationId xmlns:a16="http://schemas.microsoft.com/office/drawing/2014/main" id="{21F55F23-8673-C5FA-464A-28EE0F762CA2}"/>
+          <p:cNvPr id="5" name="Picture 4">
+            <a:extLst>
+              <a:ext uri="{FF2B5EF4-FFF2-40B4-BE49-F238E27FC236}">
+                <a16:creationId xmlns:a16="http://schemas.microsoft.com/office/drawing/2014/main" id="{C7F3DDA4-EB94-94F5-524D-88D4B0C5B179}"/>
               </a:ext>
             </a:extLst>
           </p:cNvPr>
@@ -1832,21 +2085,15 @@
           <p:nvPr/>
         </p:nvPicPr>
         <p:blipFill>
-          <a:blip r:embed="rId3">
-            <a:extLst>
-              <a:ext uri="{28A0092B-C50C-407E-A947-70E740481C1C}">
-                <a14:useLocalDpi xmlns:a14="http://schemas.microsoft.com/office/drawing/2010/main" val="0"/>
-              </a:ext>
-            </a:extLst>
-          </a:blip>
+          <a:blip r:embed="rId3"/>
           <a:stretch>
             <a:fillRect/>
           </a:stretch>
         </p:blipFill>
         <p:spPr>
           <a:xfrm>
-            <a:off x="598428" y="2086388"/>
-            <a:ext cx="5260007" cy="3631746"/>
+            <a:off x="316845" y="1897913"/>
+            <a:ext cx="3139049" cy="2718912"/>
           </a:xfrm>
           <a:prstGeom prst="rect">
             <a:avLst/>
@@ -1855,15 +2102,15 @@
       </p:pic>
       <p:pic>
         <p:nvPicPr>
-          <p:cNvPr id="8" name="Picture 7" descr="Chart&#10;&#10;Description automatically generated">
-            <a:extLst>
-              <a:ext uri="{FF2B5EF4-FFF2-40B4-BE49-F238E27FC236}">
-                <a16:creationId xmlns:a16="http://schemas.microsoft.com/office/drawing/2014/main" id="{DCD49042-9F42-3F38-D1F2-2A725E75D918}"/>
+          <p:cNvPr id="6146" name="Picture 2">
+            <a:extLst>
+              <a:ext uri="{FF2B5EF4-FFF2-40B4-BE49-F238E27FC236}">
+                <a16:creationId xmlns:a16="http://schemas.microsoft.com/office/drawing/2014/main" id="{63532FBF-B358-FE2E-2013-F1760956D44C}"/>
               </a:ext>
             </a:extLst>
           </p:cNvPr>
           <p:cNvPicPr>
-            <a:picLocks noChangeAspect="1"/>
+            <a:picLocks noChangeAspect="1" noChangeArrowheads="1"/>
           </p:cNvPicPr>
           <p:nvPr/>
         </p:nvPicPr>
@@ -1875,24 +2122,110 @@
               </a:ext>
             </a:extLst>
           </a:blip>
+          <a:srcRect/>
           <a:stretch>
             <a:fillRect/>
           </a:stretch>
         </p:blipFill>
-        <p:spPr>
-          <a:xfrm>
-            <a:off x="6124442" y="2086388"/>
-            <a:ext cx="5619323" cy="3592753"/>
-          </a:xfrm>
-          <a:prstGeom prst="rect">
-            <a:avLst/>
-          </a:prstGeom>
+        <p:spPr bwMode="auto">
+          <a:xfrm>
+            <a:off x="4010306" y="1793044"/>
+            <a:ext cx="3705225" cy="2482012"/>
+          </a:xfrm>
+          <a:prstGeom prst="rect">
+            <a:avLst/>
+          </a:prstGeom>
+          <a:noFill/>
+          <a:extLst>
+            <a:ext uri="{909E8E84-426E-40DD-AFC4-6F175D3DCCD1}">
+              <a14:hiddenFill xmlns:a14="http://schemas.microsoft.com/office/drawing/2010/main">
+                <a:solidFill>
+                  <a:srgbClr val="FFFFFF"/>
+                </a:solidFill>
+              </a14:hiddenFill>
+            </a:ext>
+          </a:extLst>
+        </p:spPr>
+      </p:pic>
+      <p:pic>
+        <p:nvPicPr>
+          <p:cNvPr id="6" name="Picture 5">
+            <a:extLst>
+              <a:ext uri="{FF2B5EF4-FFF2-40B4-BE49-F238E27FC236}">
+                <a16:creationId xmlns:a16="http://schemas.microsoft.com/office/drawing/2014/main" id="{ED044739-84C1-75B6-2633-6316F0212D77}"/>
+              </a:ext>
+            </a:extLst>
+          </p:cNvPr>
+          <p:cNvPicPr>
+            <a:picLocks noChangeAspect="1"/>
+          </p:cNvPicPr>
+          <p:nvPr/>
+        </p:nvPicPr>
+        <p:blipFill>
+          <a:blip r:embed="rId5"/>
+          <a:stretch>
+            <a:fillRect/>
+          </a:stretch>
+        </p:blipFill>
+        <p:spPr>
+          <a:xfrm>
+            <a:off x="7715531" y="1897912"/>
+            <a:ext cx="4124325" cy="2715453"/>
+          </a:xfrm>
+          <a:prstGeom prst="rect">
+            <a:avLst/>
+          </a:prstGeom>
+        </p:spPr>
+      </p:pic>
+      <p:pic>
+        <p:nvPicPr>
+          <p:cNvPr id="6148" name="Picture 4">
+            <a:extLst>
+              <a:ext uri="{FF2B5EF4-FFF2-40B4-BE49-F238E27FC236}">
+                <a16:creationId xmlns:a16="http://schemas.microsoft.com/office/drawing/2014/main" id="{0A9AD2F6-633F-E3D8-415E-85B7A24A1EEC}"/>
+              </a:ext>
+            </a:extLst>
+          </p:cNvPr>
+          <p:cNvPicPr>
+            <a:picLocks noChangeAspect="1" noChangeArrowheads="1"/>
+          </p:cNvPicPr>
+          <p:nvPr/>
+        </p:nvPicPr>
+        <p:blipFill>
+          <a:blip r:embed="rId6">
+            <a:extLst>
+              <a:ext uri="{28A0092B-C50C-407E-A947-70E740481C1C}">
+                <a14:useLocalDpi xmlns:a14="http://schemas.microsoft.com/office/drawing/2010/main" val="0"/>
+              </a:ext>
+            </a:extLst>
+          </a:blip>
+          <a:srcRect/>
+          <a:stretch/>
+        </p:blipFill>
+        <p:spPr bwMode="auto">
+          <a:xfrm>
+            <a:off x="3926263" y="4379946"/>
+            <a:ext cx="3705225" cy="2281286"/>
+          </a:xfrm>
+          <a:prstGeom prst="rect">
+            <a:avLst/>
+          </a:prstGeom>
+          <a:noFill/>
+          <a:extLst>
+            <a:ext uri="{909E8E84-426E-40DD-AFC4-6F175D3DCCD1}">
+              <a14:hiddenFill xmlns:a14="http://schemas.microsoft.com/office/drawing/2010/main">
+                <a:solidFill>
+                  <a:srgbClr val="FFFFFF"/>
+                </a:solidFill>
+              </a14:hiddenFill>
+            </a:ext>
+          </a:extLst>
         </p:spPr>
       </p:pic>
     </p:spTree>
     <p:extLst>
       <p:ext uri="{BB962C8B-B14F-4D97-AF65-F5344CB8AC3E}">
-        <p14:creationId xmlns:p14="http://schemas.microsoft.com/office/powerpoint/2010/main" val="2725937870"/>
+        <p14:creationId xmlns:p14="http://schemas.microsoft.com/office/powerpoint/2010/main" val="4229592414"/>
       </p:ext>
     </p:extLst>
   </p:cSld>
@@ -1952,25 +2285,20 @@
           <a:p>
             <a:pPr algn="ctr"/>
             <a:br>
-              <a:rPr lang="en-US" b="1">
+              <a:rPr lang="en-US" b="1" dirty="0">
                 <a:solidFill>
                   <a:srgbClr val="FF6600"/>
                 </a:solidFill>
               </a:rPr>
             </a:br>
             <a:r>
-              <a:rPr lang="en-US" b="1">
+              <a:rPr lang="en-US" b="1" dirty="0">
                 <a:solidFill>
                   <a:srgbClr val="FF6600"/>
                 </a:solidFill>
               </a:rPr>
-              <a:t>Logistic Regression Model</a:t>
-            </a:r>
-            <a:endParaRPr lang="en-US" b="1" dirty="0">
-              <a:solidFill>
-                <a:srgbClr val="FF6600"/>
-              </a:solidFill>
-            </a:endParaRPr>
+              <a:t>Exploratory Data Analysis</a:t>
+            </a:r>
           </a:p>
         </p:txBody>
       </p:sp>
@@ -2003,15 +2331,8 @@
           </a:bodyPr>
           <a:lstStyle/>
           <a:p>
-            <a:endParaRPr lang="en-US">
-              <a:solidFill>
-                <a:srgbClr val="FF6600"/>
-              </a:solidFill>
-            </a:endParaRPr>
-          </a:p>
-          <a:p>
             <a:pPr lvl="1"/>
-            <a:endParaRPr lang="en-US" sz="2000"/>
+            <a:endParaRPr lang="en-US" sz="2000" dirty="0"/>
           </a:p>
           <a:p>
             <a:endParaRPr lang="en-US" dirty="0">
@@ -2060,10 +2381,10 @@
       </p:pic>
       <p:pic>
         <p:nvPicPr>
-          <p:cNvPr id="6" name="Picture 5">
-            <a:extLst>
-              <a:ext uri="{FF2B5EF4-FFF2-40B4-BE49-F238E27FC236}">
-                <a16:creationId xmlns:a16="http://schemas.microsoft.com/office/drawing/2014/main" id="{21F55F23-8673-C5FA-464A-28EE0F762CA2}"/>
+          <p:cNvPr id="5" name="Picture 4">
+            <a:extLst>
+              <a:ext uri="{FF2B5EF4-FFF2-40B4-BE49-F238E27FC236}">
+                <a16:creationId xmlns:a16="http://schemas.microsoft.com/office/drawing/2014/main" id="{C7F3DDA4-EB94-94F5-524D-88D4B0C5B179}"/>
               </a:ext>
             </a:extLst>
           </p:cNvPr>
@@ -2085,8 +2406,8 @@
         </p:blipFill>
         <p:spPr>
           <a:xfrm>
-            <a:off x="598428" y="2086388"/>
-            <a:ext cx="4511454" cy="3777383"/>
+            <a:off x="505249" y="1897913"/>
+            <a:ext cx="2762241" cy="2718912"/>
           </a:xfrm>
           <a:prstGeom prst="rect">
             <a:avLst/>
@@ -2095,15 +2416,15 @@
       </p:pic>
       <p:pic>
         <p:nvPicPr>
-          <p:cNvPr id="8" name="Picture 7">
-            <a:extLst>
-              <a:ext uri="{FF2B5EF4-FFF2-40B4-BE49-F238E27FC236}">
-                <a16:creationId xmlns:a16="http://schemas.microsoft.com/office/drawing/2014/main" id="{DCD49042-9F42-3F38-D1F2-2A725E75D918}"/>
+          <p:cNvPr id="6146" name="Picture 2">
+            <a:extLst>
+              <a:ext uri="{FF2B5EF4-FFF2-40B4-BE49-F238E27FC236}">
+                <a16:creationId xmlns:a16="http://schemas.microsoft.com/office/drawing/2014/main" id="{63532FBF-B358-FE2E-2013-F1760956D44C}"/>
               </a:ext>
             </a:extLst>
           </p:cNvPr>
           <p:cNvPicPr>
-            <a:picLocks noChangeAspect="1"/>
+            <a:picLocks noChangeAspect="1" noChangeArrowheads="1"/>
           </p:cNvPicPr>
           <p:nvPr/>
         </p:nvPicPr>
@@ -2118,56 +2439,110 @@
           <a:srcRect/>
           <a:stretch/>
         </p:blipFill>
-        <p:spPr>
-          <a:xfrm>
-            <a:off x="5813612" y="2086388"/>
-            <a:ext cx="5541986" cy="3777383"/>
-          </a:xfrm>
-          <a:prstGeom prst="rect">
-            <a:avLst/>
-          </a:prstGeom>
+        <p:spPr bwMode="auto">
+          <a:xfrm>
+            <a:off x="4583131" y="1793044"/>
+            <a:ext cx="2559574" cy="2482012"/>
+          </a:xfrm>
+          <a:prstGeom prst="rect">
+            <a:avLst/>
+          </a:prstGeom>
+          <a:noFill/>
+          <a:extLst>
+            <a:ext uri="{909E8E84-426E-40DD-AFC4-6F175D3DCCD1}">
+              <a14:hiddenFill xmlns:a14="http://schemas.microsoft.com/office/drawing/2010/main">
+                <a:solidFill>
+                  <a:srgbClr val="FFFFFF"/>
+                </a:solidFill>
+              </a14:hiddenFill>
+            </a:ext>
+          </a:extLst>
         </p:spPr>
       </p:pic>
-      <p:sp>
-        <p:nvSpPr>
-          <p:cNvPr id="5" name="TextBox 4">
-            <a:extLst>
-              <a:ext uri="{FF2B5EF4-FFF2-40B4-BE49-F238E27FC236}">
-                <a16:creationId xmlns:a16="http://schemas.microsoft.com/office/drawing/2014/main" id="{E5C59C8A-C239-7465-CB80-A12DEDD9A6AF}"/>
-              </a:ext>
-            </a:extLst>
-          </p:cNvPr>
-          <p:cNvSpPr txBox="1"/>
-          <p:nvPr/>
-        </p:nvSpPr>
-        <p:spPr>
-          <a:xfrm>
-            <a:off x="1936376" y="5863771"/>
-            <a:ext cx="9946342" cy="922511"/>
+      <p:pic>
+        <p:nvPicPr>
+          <p:cNvPr id="6" name="Picture 5">
+            <a:extLst>
+              <a:ext uri="{FF2B5EF4-FFF2-40B4-BE49-F238E27FC236}">
+                <a16:creationId xmlns:a16="http://schemas.microsoft.com/office/drawing/2014/main" id="{ED044739-84C1-75B6-2633-6316F0212D77}"/>
+              </a:ext>
+            </a:extLst>
+          </p:cNvPr>
+          <p:cNvPicPr>
+            <a:picLocks noChangeAspect="1"/>
+          </p:cNvPicPr>
+          <p:nvPr/>
+        </p:nvPicPr>
+        <p:blipFill>
+          <a:blip r:embed="rId5">
+            <a:extLst>
+              <a:ext uri="{28A0092B-C50C-407E-A947-70E740481C1C}">
+                <a14:useLocalDpi xmlns:a14="http://schemas.microsoft.com/office/drawing/2010/main" val="0"/>
+              </a:ext>
+            </a:extLst>
+          </a:blip>
+          <a:srcRect/>
+          <a:stretch/>
+        </p:blipFill>
+        <p:spPr>
+          <a:xfrm>
+            <a:off x="8501561" y="1897912"/>
+            <a:ext cx="2552264" cy="2715453"/>
+          </a:xfrm>
+          <a:prstGeom prst="rect">
+            <a:avLst/>
+          </a:prstGeom>
+        </p:spPr>
+      </p:pic>
+      <p:pic>
+        <p:nvPicPr>
+          <p:cNvPr id="6148" name="Picture 4">
+            <a:extLst>
+              <a:ext uri="{FF2B5EF4-FFF2-40B4-BE49-F238E27FC236}">
+                <a16:creationId xmlns:a16="http://schemas.microsoft.com/office/drawing/2014/main" id="{0A9AD2F6-633F-E3D8-415E-85B7A24A1EEC}"/>
+              </a:ext>
+            </a:extLst>
+          </p:cNvPr>
+          <p:cNvPicPr>
+            <a:picLocks noChangeAspect="1" noChangeArrowheads="1"/>
+          </p:cNvPicPr>
+          <p:nvPr/>
+        </p:nvPicPr>
+        <p:blipFill>
+          <a:blip r:embed="rId6">
+            <a:extLst>
+              <a:ext uri="{28A0092B-C50C-407E-A947-70E740481C1C}">
+                <a14:useLocalDpi xmlns:a14="http://schemas.microsoft.com/office/drawing/2010/main" val="0"/>
+              </a:ext>
+            </a:extLst>
+          </a:blip>
+          <a:srcRect/>
+          <a:stretch/>
+        </p:blipFill>
+        <p:spPr bwMode="auto">
+          <a:xfrm>
+            <a:off x="4356192" y="4379946"/>
+            <a:ext cx="2845367" cy="2281286"/>
           </a:xfrm>
           <a:prstGeom prst="rect">
             <a:avLst/>
           </a:prstGeom>
           <a:noFill/>
-        </p:spPr>
-        <p:txBody>
-          <a:bodyPr wrap="square" rtlCol="0">
-            <a:spAutoFit/>
-          </a:bodyPr>
-          <a:lstStyle/>
-          <a:p>
-            <a:r>
-              <a:rPr lang="en-US"/>
-              <a:t>There are very few false positives (predicted value was ‘Yes’, but actual value was ‘No’), but many false negatives (predicted value was ‘No’, when the actual value was ‘Yes’). The model was very accurate at predicting ‘No’, but performed poorly when it came to predicting ‘Yes’. </a:t>
-            </a:r>
-            <a:endParaRPr lang="en-US" dirty="0"/>
-          </a:p>
-        </p:txBody>
-      </p:sp>
+          <a:extLst>
+            <a:ext uri="{909E8E84-426E-40DD-AFC4-6F175D3DCCD1}">
+              <a14:hiddenFill xmlns:a14="http://schemas.microsoft.com/office/drawing/2010/main">
+                <a:solidFill>
+                  <a:srgbClr val="FFFFFF"/>
+                </a:solidFill>
+              </a14:hiddenFill>
+            </a:ext>
+          </a:extLst>
+        </p:spPr>
+      </p:pic>
     </p:spTree>
     <p:extLst>
       <p:ext uri="{BB962C8B-B14F-4D97-AF65-F5344CB8AC3E}">
-        <p14:creationId xmlns:p14="http://schemas.microsoft.com/office/powerpoint/2010/main" val="4141791654"/>
+        <p14:creationId xmlns:p14="http://schemas.microsoft.com/office/powerpoint/2010/main" val="1045325425"/>
       </p:ext>
     </p:extLst>
   </p:cSld>
@@ -2239,7 +2614,7 @@
                   <a:srgbClr val="FF6600"/>
                 </a:solidFill>
               </a:rPr>
-              <a:t>Random Forest</a:t>
+              <a:t>Logistic Regression Model</a:t>
             </a:r>
           </a:p>
         </p:txBody>
@@ -2333,7 +2708,7 @@
           <p:cNvPr id="6" name="Picture 5" descr="Chart, bar chart&#10;&#10;Description automatically generated">
             <a:extLst>
               <a:ext uri="{FF2B5EF4-FFF2-40B4-BE49-F238E27FC236}">
-                <a16:creationId xmlns:a16="http://schemas.microsoft.com/office/drawing/2014/main" id="{8040B325-770B-5BBA-4542-A93B6680CC86}"/>
+                <a16:creationId xmlns:a16="http://schemas.microsoft.com/office/drawing/2014/main" id="{21F55F23-8673-C5FA-464A-28EE0F762CA2}"/>
               </a:ext>
             </a:extLst>
           </p:cNvPr>
@@ -2356,8 +2731,44 @@
         </p:blipFill>
         <p:spPr>
           <a:xfrm>
-            <a:off x="2587307" y="2506502"/>
-            <a:ext cx="7060317" cy="3631746"/>
+            <a:off x="598428" y="2086388"/>
+            <a:ext cx="5260007" cy="3631746"/>
+          </a:xfrm>
+          <a:prstGeom prst="rect">
+            <a:avLst/>
+          </a:prstGeom>
+        </p:spPr>
+      </p:pic>
+      <p:pic>
+        <p:nvPicPr>
+          <p:cNvPr id="8" name="Picture 7" descr="Chart&#10;&#10;Description automatically generated">
+            <a:extLst>
+              <a:ext uri="{FF2B5EF4-FFF2-40B4-BE49-F238E27FC236}">
+                <a16:creationId xmlns:a16="http://schemas.microsoft.com/office/drawing/2014/main" id="{DCD49042-9F42-3F38-D1F2-2A725E75D918}"/>
+              </a:ext>
+            </a:extLst>
+          </p:cNvPr>
+          <p:cNvPicPr>
+            <a:picLocks noChangeAspect="1"/>
+          </p:cNvPicPr>
+          <p:nvPr/>
+        </p:nvPicPr>
+        <p:blipFill>
+          <a:blip r:embed="rId4">
+            <a:extLst>
+              <a:ext uri="{28A0092B-C50C-407E-A947-70E740481C1C}">
+                <a14:useLocalDpi xmlns:a14="http://schemas.microsoft.com/office/drawing/2010/main" val="0"/>
+              </a:ext>
+            </a:extLst>
+          </a:blip>
+          <a:stretch>
+            <a:fillRect/>
+          </a:stretch>
+        </p:blipFill>
+        <p:spPr>
+          <a:xfrm>
+            <a:off x="6124442" y="2086388"/>
+            <a:ext cx="5619323" cy="3592753"/>
           </a:xfrm>
           <a:prstGeom prst="rect">
             <a:avLst/>
@@ -2367,7 +2778,7 @@
     </p:spTree>
     <p:extLst>
       <p:ext uri="{BB962C8B-B14F-4D97-AF65-F5344CB8AC3E}">
-        <p14:creationId xmlns:p14="http://schemas.microsoft.com/office/powerpoint/2010/main" val="2661989101"/>
+        <p14:creationId xmlns:p14="http://schemas.microsoft.com/office/powerpoint/2010/main" val="2725937870"/>
       </p:ext>
     </p:extLst>
   </p:cSld>
@@ -2427,20 +2838,25 @@
           <a:p>
             <a:pPr algn="ctr"/>
             <a:br>
-              <a:rPr lang="en-US" b="1" dirty="0">
+              <a:rPr lang="en-US" b="1">
                 <a:solidFill>
                   <a:srgbClr val="FF6600"/>
                 </a:solidFill>
               </a:rPr>
             </a:br>
             <a:r>
-              <a:rPr lang="en-US" b="1" dirty="0">
+              <a:rPr lang="en-US" b="1">
                 <a:solidFill>
                   <a:srgbClr val="FF6600"/>
                 </a:solidFill>
               </a:rPr>
-              <a:t>Random Forest</a:t>
-            </a:r>
+              <a:t>Logistic Regression Model</a:t>
+            </a:r>
+            <a:endParaRPr lang="en-US" b="1" dirty="0">
+              <a:solidFill>
+                <a:srgbClr val="FF6600"/>
+              </a:solidFill>
+            </a:endParaRPr>
           </a:p>
         </p:txBody>
       </p:sp>
@@ -2473,23 +2889,23 @@
           </a:bodyPr>
           <a:lstStyle/>
           <a:p>
+            <a:endParaRPr lang="en-US">
+              <a:solidFill>
+                <a:srgbClr val="FF6600"/>
+              </a:solidFill>
+            </a:endParaRPr>
+          </a:p>
+          <a:p>
+            <a:pPr lvl="1"/>
+            <a:endParaRPr lang="en-US" sz="2000"/>
+          </a:p>
+          <a:p>
             <a:endParaRPr lang="en-US" dirty="0">
               <a:solidFill>
                 <a:srgbClr val="FF6600"/>
               </a:solidFill>
             </a:endParaRPr>
           </a:p>
-          <a:p>
-            <a:pPr lvl="1"/>
-            <a:endParaRPr lang="en-US" sz="2000" dirty="0"/>
-          </a:p>
-          <a:p>
-            <a:endParaRPr lang="en-US" dirty="0">
-              <a:solidFill>
-                <a:srgbClr val="FF6600"/>
-              </a:solidFill>
-            </a:endParaRPr>
-          </a:p>
         </p:txBody>
       </p:sp>
       <p:pic>
@@ -2533,7 +2949,7 @@
           <p:cNvPr id="6" name="Picture 5">
             <a:extLst>
               <a:ext uri="{FF2B5EF4-FFF2-40B4-BE49-F238E27FC236}">
-                <a16:creationId xmlns:a16="http://schemas.microsoft.com/office/drawing/2014/main" id="{8040B325-770B-5BBA-4542-A93B6680CC86}"/>
+                <a16:creationId xmlns:a16="http://schemas.microsoft.com/office/drawing/2014/main" id="{21F55F23-8673-C5FA-464A-28EE0F762CA2}"/>
               </a:ext>
             </a:extLst>
           </p:cNvPr>
@@ -2555,8 +2971,8 @@
         </p:blipFill>
         <p:spPr>
           <a:xfrm>
-            <a:off x="399920" y="2400022"/>
-            <a:ext cx="5355422" cy="3283602"/>
+            <a:off x="598428" y="2086388"/>
+            <a:ext cx="4511454" cy="3777383"/>
           </a:xfrm>
           <a:prstGeom prst="rect">
             <a:avLst/>
@@ -2565,10 +2981,10 @@
       </p:pic>
       <p:pic>
         <p:nvPicPr>
-          <p:cNvPr id="7" name="Picture 6" descr="Chart, treemap chart&#10;&#10;Description automatically generated">
-            <a:extLst>
-              <a:ext uri="{FF2B5EF4-FFF2-40B4-BE49-F238E27FC236}">
-                <a16:creationId xmlns:a16="http://schemas.microsoft.com/office/drawing/2014/main" id="{A08ED946-E0FA-539C-7FF7-C7647B35CAA1}"/>
+          <p:cNvPr id="8" name="Picture 7">
+            <a:extLst>
+              <a:ext uri="{FF2B5EF4-FFF2-40B4-BE49-F238E27FC236}">
+                <a16:creationId xmlns:a16="http://schemas.microsoft.com/office/drawing/2014/main" id="{DCD49042-9F42-3F38-D1F2-2A725E75D918}"/>
               </a:ext>
             </a:extLst>
           </p:cNvPr>
@@ -2585,14 +3001,13 @@
               </a:ext>
             </a:extLst>
           </a:blip>
-          <a:stretch>
-            <a:fillRect/>
-          </a:stretch>
+          <a:srcRect/>
+          <a:stretch/>
         </p:blipFill>
         <p:spPr>
           <a:xfrm>
-            <a:off x="6326955" y="2052918"/>
-            <a:ext cx="5264410" cy="3810853"/>
+            <a:off x="5813612" y="2086388"/>
+            <a:ext cx="5541986" cy="3777383"/>
           </a:xfrm>
           <a:prstGeom prst="rect">
             <a:avLst/>
@@ -2601,10 +3016,10 @@
       </p:pic>
       <p:sp>
         <p:nvSpPr>
-          <p:cNvPr id="8" name="TextBox 7">
-            <a:extLst>
-              <a:ext uri="{FF2B5EF4-FFF2-40B4-BE49-F238E27FC236}">
-                <a16:creationId xmlns:a16="http://schemas.microsoft.com/office/drawing/2014/main" id="{B0E9B32F-5BB1-E0C6-12B8-62C9FF27DA53}"/>
+          <p:cNvPr id="5" name="TextBox 4">
+            <a:extLst>
+              <a:ext uri="{FF2B5EF4-FFF2-40B4-BE49-F238E27FC236}">
+                <a16:creationId xmlns:a16="http://schemas.microsoft.com/office/drawing/2014/main" id="{E5C59C8A-C239-7465-CB80-A12DEDD9A6AF}"/>
               </a:ext>
             </a:extLst>
           </p:cNvPr>
@@ -2613,8 +3028,8 @@
         </p:nvSpPr>
         <p:spPr>
           <a:xfrm>
-            <a:off x="1999129" y="5816753"/>
-            <a:ext cx="9792951" cy="1107996"/>
+            <a:off x="1936376" y="5863771"/>
+            <a:ext cx="9946342" cy="922511"/>
           </a:xfrm>
           <a:prstGeom prst="rect">
             <a:avLst/>
@@ -2628,11 +3043,9 @@
           <a:lstStyle/>
           <a:p>
             <a:r>
-              <a:rPr lang="en-US" sz="1600" dirty="0"/>
+              <a:rPr lang="en-US"/>
               <a:t>There are very few false positives (predicted value was ‘Yes’, but actual value was ‘No’), but many false negatives (predicted value was ‘No’, when the actual value was ‘Yes’). The model was very accurate at predicting ‘No’, but performed poorly when it came to predicting ‘Yes’. </a:t>
             </a:r>
-          </a:p>
-          <a:p>
             <a:endParaRPr lang="en-US" dirty="0"/>
           </a:p>
         </p:txBody>
@@ -2640,7 +3053,7 @@
     </p:spTree>
     <p:extLst>
       <p:ext uri="{BB962C8B-B14F-4D97-AF65-F5344CB8AC3E}">
-        <p14:creationId xmlns:p14="http://schemas.microsoft.com/office/powerpoint/2010/main" val="1759213583"/>
+        <p14:creationId xmlns:p14="http://schemas.microsoft.com/office/powerpoint/2010/main" val="4141791654"/>
       </p:ext>
     </p:extLst>
   </p:cSld>
@@ -2712,7 +3125,7 @@
                   <a:srgbClr val="FF6600"/>
                 </a:solidFill>
               </a:rPr>
-              <a:t>Artificial Neural Network</a:t>
+              <a:t>Random Forest</a:t>
             </a:r>
           </a:p>
         </p:txBody>
@@ -2803,10 +3216,10 @@
       </p:pic>
       <p:pic>
         <p:nvPicPr>
-          <p:cNvPr id="6" name="Picture 5" descr="A screenshot of a computer&#10;&#10;Description automatically generated with low confidence">
-            <a:extLst>
-              <a:ext uri="{FF2B5EF4-FFF2-40B4-BE49-F238E27FC236}">
-                <a16:creationId xmlns:a16="http://schemas.microsoft.com/office/drawing/2014/main" id="{1EC51788-98F0-F391-4EDE-328B9C5388A6}"/>
+          <p:cNvPr id="6" name="Picture 5" descr="Chart, bar chart&#10;&#10;Description automatically generated">
+            <a:extLst>
+              <a:ext uri="{FF2B5EF4-FFF2-40B4-BE49-F238E27FC236}">
+                <a16:creationId xmlns:a16="http://schemas.microsoft.com/office/drawing/2014/main" id="{8040B325-770B-5BBA-4542-A93B6680CC86}"/>
               </a:ext>
             </a:extLst>
           </p:cNvPr>
@@ -2829,97 +3242,18 @@
         </p:blipFill>
         <p:spPr>
           <a:xfrm>
-            <a:off x="237565" y="2423419"/>
-            <a:ext cx="4948517" cy="3066859"/>
+            <a:off x="2587307" y="2506502"/>
+            <a:ext cx="7060317" cy="3631746"/>
           </a:xfrm>
           <a:prstGeom prst="rect">
             <a:avLst/>
           </a:prstGeom>
         </p:spPr>
       </p:pic>
-      <p:pic>
-        <p:nvPicPr>
-          <p:cNvPr id="8" name="Picture 7" descr="Chart&#10;&#10;Description automatically generated">
-            <a:extLst>
-              <a:ext uri="{FF2B5EF4-FFF2-40B4-BE49-F238E27FC236}">
-                <a16:creationId xmlns:a16="http://schemas.microsoft.com/office/drawing/2014/main" id="{C6F966E8-81B6-3FB6-CAC1-683EB7AAE78A}"/>
-              </a:ext>
-            </a:extLst>
-          </p:cNvPr>
-          <p:cNvPicPr>
-            <a:picLocks noChangeAspect="1"/>
-          </p:cNvPicPr>
-          <p:nvPr/>
-        </p:nvPicPr>
-        <p:blipFill>
-          <a:blip r:embed="rId4">
-            <a:extLst>
-              <a:ext uri="{28A0092B-C50C-407E-A947-70E740481C1C}">
-                <a14:useLocalDpi xmlns:a14="http://schemas.microsoft.com/office/drawing/2010/main" val="0"/>
-              </a:ext>
-            </a:extLst>
-          </a:blip>
-          <a:stretch>
-            <a:fillRect/>
-          </a:stretch>
-        </p:blipFill>
-        <p:spPr>
-          <a:xfrm>
-            <a:off x="5558118" y="2151529"/>
-            <a:ext cx="6100483" cy="3563471"/>
-          </a:xfrm>
-          <a:prstGeom prst="rect">
-            <a:avLst/>
-          </a:prstGeom>
-        </p:spPr>
-      </p:pic>
-      <p:sp>
-        <p:nvSpPr>
-          <p:cNvPr id="9" name="TextBox 8">
-            <a:extLst>
-              <a:ext uri="{FF2B5EF4-FFF2-40B4-BE49-F238E27FC236}">
-                <a16:creationId xmlns:a16="http://schemas.microsoft.com/office/drawing/2014/main" id="{0C525805-553E-07F8-DEC4-1C689362DB55}"/>
-              </a:ext>
-            </a:extLst>
-          </p:cNvPr>
-          <p:cNvSpPr txBox="1"/>
-          <p:nvPr/>
-        </p:nvSpPr>
-        <p:spPr>
-          <a:xfrm>
-            <a:off x="2034988" y="5715000"/>
-            <a:ext cx="9318813" cy="923330"/>
-          </a:xfrm>
-          <a:prstGeom prst="rect">
-            <a:avLst/>
-          </a:prstGeom>
-          <a:noFill/>
-        </p:spPr>
-        <p:txBody>
-          <a:bodyPr wrap="square" rtlCol="0">
-            <a:spAutoFit/>
-          </a:bodyPr>
-          <a:lstStyle/>
-          <a:p>
-            <a:r>
-              <a:rPr lang="en-US" dirty="0"/>
-              <a:t>There are very few false positives (predicted value was ‘Yes’, but actual value was ‘No’), but many false negatives (predicted value was ‘No’, when the actual value was ‘Yes’). </a:t>
-            </a:r>
-            <a:r>
-              <a:rPr lang="en-US" dirty="0" err="1"/>
-              <a:t>The</a:t>
-            </a:r>
-            <a:r>
-              <a:rPr lang="en-US" dirty="0"/>
-              <a:t> model was very accurate at predicting ‘No’, but performed poorly when it came to predicting ‘Yes’. </a:t>
-            </a:r>
-          </a:p>
-        </p:txBody>
-      </p:sp>
     </p:spTree>
     <p:extLst>
       <p:ext uri="{BB962C8B-B14F-4D97-AF65-F5344CB8AC3E}">
-        <p14:creationId xmlns:p14="http://schemas.microsoft.com/office/powerpoint/2010/main" val="3752857098"/>
+        <p14:creationId xmlns:p14="http://schemas.microsoft.com/office/powerpoint/2010/main" val="2661989101"/>
       </p:ext>
     </p:extLst>
   </p:cSld>
@@ -2991,7 +3325,7 @@
                   <a:srgbClr val="FF6600"/>
                 </a:solidFill>
               </a:rPr>
-              <a:t>Model Evaluation: Selecting the Best Model</a:t>
+              <a:t>Random Forest</a:t>
             </a:r>
           </a:p>
         </p:txBody>
@@ -3080,12 +3414,83 @@
           </a:prstGeom>
         </p:spPr>
       </p:pic>
+      <p:pic>
+        <p:nvPicPr>
+          <p:cNvPr id="6" name="Picture 5">
+            <a:extLst>
+              <a:ext uri="{FF2B5EF4-FFF2-40B4-BE49-F238E27FC236}">
+                <a16:creationId xmlns:a16="http://schemas.microsoft.com/office/drawing/2014/main" id="{8040B325-770B-5BBA-4542-A93B6680CC86}"/>
+              </a:ext>
+            </a:extLst>
+          </p:cNvPr>
+          <p:cNvPicPr>
+            <a:picLocks noChangeAspect="1"/>
+          </p:cNvPicPr>
+          <p:nvPr/>
+        </p:nvPicPr>
+        <p:blipFill>
+          <a:blip r:embed="rId3">
+            <a:extLst>
+              <a:ext uri="{28A0092B-C50C-407E-A947-70E740481C1C}">
+                <a14:useLocalDpi xmlns:a14="http://schemas.microsoft.com/office/drawing/2010/main" val="0"/>
+              </a:ext>
+            </a:extLst>
+          </a:blip>
+          <a:srcRect/>
+          <a:stretch/>
+        </p:blipFill>
+        <p:spPr>
+          <a:xfrm>
+            <a:off x="399920" y="2400022"/>
+            <a:ext cx="5355422" cy="3283602"/>
+          </a:xfrm>
+          <a:prstGeom prst="rect">
+            <a:avLst/>
+          </a:prstGeom>
+        </p:spPr>
+      </p:pic>
+      <p:pic>
+        <p:nvPicPr>
+          <p:cNvPr id="7" name="Picture 6" descr="Chart, treemap chart&#10;&#10;Description automatically generated">
+            <a:extLst>
+              <a:ext uri="{FF2B5EF4-FFF2-40B4-BE49-F238E27FC236}">
+                <a16:creationId xmlns:a16="http://schemas.microsoft.com/office/drawing/2014/main" id="{A08ED946-E0FA-539C-7FF7-C7647B35CAA1}"/>
+              </a:ext>
+            </a:extLst>
+          </p:cNvPr>
+          <p:cNvPicPr>
+            <a:picLocks noChangeAspect="1"/>
+          </p:cNvPicPr>
+          <p:nvPr/>
+        </p:nvPicPr>
+        <p:blipFill>
+          <a:blip r:embed="rId4">
+            <a:extLst>
+              <a:ext uri="{28A0092B-C50C-407E-A947-70E740481C1C}">
+                <a14:useLocalDpi xmlns:a14="http://schemas.microsoft.com/office/drawing/2010/main" val="0"/>
+              </a:ext>
+            </a:extLst>
+          </a:blip>
+          <a:stretch>
+            <a:fillRect/>
+          </a:stretch>
+        </p:blipFill>
+        <p:spPr>
+          <a:xfrm>
+            <a:off x="6326955" y="2052918"/>
+            <a:ext cx="5264410" cy="3810853"/>
+          </a:xfrm>
+          <a:prstGeom prst="rect">
+            <a:avLst/>
+          </a:prstGeom>
+        </p:spPr>
+      </p:pic>
       <p:sp>
         <p:nvSpPr>
-          <p:cNvPr id="5" name="TextBox 4">
-            <a:extLst>
-              <a:ext uri="{FF2B5EF4-FFF2-40B4-BE49-F238E27FC236}">
-                <a16:creationId xmlns:a16="http://schemas.microsoft.com/office/drawing/2014/main" id="{77BF0EC6-DE99-D36D-6270-3B19B80BC3D5}"/>
+          <p:cNvPr id="8" name="TextBox 7">
+            <a:extLst>
+              <a:ext uri="{FF2B5EF4-FFF2-40B4-BE49-F238E27FC236}">
+                <a16:creationId xmlns:a16="http://schemas.microsoft.com/office/drawing/2014/main" id="{B0E9B32F-5BB1-E0C6-12B8-62C9FF27DA53}"/>
               </a:ext>
             </a:extLst>
           </p:cNvPr>
@@ -3094,8 +3499,8 @@
         </p:nvSpPr>
         <p:spPr>
           <a:xfrm>
-            <a:off x="1044388" y="2205318"/>
-            <a:ext cx="10215283" cy="2123658"/>
+            <a:off x="1999129" y="5816753"/>
+            <a:ext cx="9792951" cy="1107996"/>
           </a:xfrm>
           <a:prstGeom prst="rect">
             <a:avLst/>
@@ -3109,20 +3514,9 @@
           <a:lstStyle/>
           <a:p>
             <a:r>
-              <a:rPr lang="en-US" sz="2400" dirty="0"/>
-              <a:t>All 3 of the models had roughly the same accuracy of </a:t>
-            </a:r>
-            <a:r>
-              <a:rPr lang="en-US" sz="2400" b="1" dirty="0"/>
-              <a:t>89%</a:t>
-            </a:r>
-            <a:r>
-              <a:rPr lang="en-US" sz="2400" dirty="0"/>
-              <a:t>. The Artificial Neural Network was slightly better at predicting ‘Yes’ than the other models, but all 3 models had very similar precision, recall, and overall accuracy. We can use any of the 3 models to predict whether a client will subscribe for a term deposit.</a:t>
-            </a:r>
-          </a:p>
-          <a:p>
-            <a:endParaRPr lang="en-US" dirty="0"/>
+              <a:rPr lang="en-US" sz="1600" dirty="0"/>
+              <a:t>There are very few false positives (predicted value was ‘Yes’, but actual value was ‘No’), but many false negatives (predicted value was ‘No’, when the actual value was ‘Yes’). The model was very accurate at predicting ‘No’, but performed poorly when it came to predicting ‘Yes’. </a:t>
+            </a:r>
           </a:p>
           <a:p>
             <a:endParaRPr lang="en-US" dirty="0"/>
@@ -3132,7 +3526,7 @@
     </p:spTree>
     <p:extLst>
       <p:ext uri="{BB962C8B-B14F-4D97-AF65-F5344CB8AC3E}">
-        <p14:creationId xmlns:p14="http://schemas.microsoft.com/office/powerpoint/2010/main" val="3154678756"/>
+        <p14:creationId xmlns:p14="http://schemas.microsoft.com/office/powerpoint/2010/main" val="1759213583"/>
       </p:ext>
     </p:extLst>
   </p:cSld>
@@ -3204,7 +3598,7 @@
                   <a:srgbClr val="FF6600"/>
                 </a:solidFill>
               </a:rPr>
-              <a:t>Results</a:t>
+              <a:t>Artificial Neural Network</a:t>
             </a:r>
           </a:p>
         </p:txBody>
@@ -3227,8 +3621,8 @@
         </p:nvSpPr>
         <p:spPr>
           <a:xfrm rot="5400000">
-            <a:off x="5367970" y="-2443382"/>
-            <a:ext cx="1512943" cy="10572485"/>
+            <a:off x="4235751" y="-1311163"/>
+            <a:ext cx="3777382" cy="10572485"/>
           </a:xfrm>
           <a:noFill/>
         </p:spPr>
@@ -3249,9 +3643,6 @@
             <a:endParaRPr lang="en-US" sz="2000" dirty="0"/>
           </a:p>
           <a:p>
-            <a:pPr marL="0" indent="0">
-              <a:buNone/>
-            </a:pPr>
             <a:endParaRPr lang="en-US" dirty="0">
               <a:solidFill>
                 <a:srgbClr val="FF6600"/>
@@ -3296,12 +3687,84 @@
           </a:prstGeom>
         </p:spPr>
       </p:pic>
+      <p:pic>
+        <p:nvPicPr>
+          <p:cNvPr id="6" name="Picture 5" descr="A screenshot of a computer&#10;&#10;Description automatically generated with low confidence">
+            <a:extLst>
+              <a:ext uri="{FF2B5EF4-FFF2-40B4-BE49-F238E27FC236}">
+                <a16:creationId xmlns:a16="http://schemas.microsoft.com/office/drawing/2014/main" id="{1EC51788-98F0-F391-4EDE-328B9C5388A6}"/>
+              </a:ext>
+            </a:extLst>
+          </p:cNvPr>
+          <p:cNvPicPr>
+            <a:picLocks noChangeAspect="1"/>
+          </p:cNvPicPr>
+          <p:nvPr/>
+        </p:nvPicPr>
+        <p:blipFill>
+          <a:blip r:embed="rId3">
+            <a:extLst>
+              <a:ext uri="{28A0092B-C50C-407E-A947-70E740481C1C}">
+                <a14:useLocalDpi xmlns:a14="http://schemas.microsoft.com/office/drawing/2010/main" val="0"/>
+              </a:ext>
+            </a:extLst>
+          </a:blip>
+          <a:stretch>
+            <a:fillRect/>
+          </a:stretch>
+        </p:blipFill>
+        <p:spPr>
+          <a:xfrm>
+            <a:off x="237565" y="2423419"/>
+            <a:ext cx="4948517" cy="3066859"/>
+          </a:xfrm>
+          <a:prstGeom prst="rect">
+            <a:avLst/>
+          </a:prstGeom>
+        </p:spPr>
+      </p:pic>
+      <p:pic>
+        <p:nvPicPr>
+          <p:cNvPr id="8" name="Picture 7" descr="Chart&#10;&#10;Description automatically generated">
+            <a:extLst>
+              <a:ext uri="{FF2B5EF4-FFF2-40B4-BE49-F238E27FC236}">
+                <a16:creationId xmlns:a16="http://schemas.microsoft.com/office/drawing/2014/main" id="{C6F966E8-81B6-3FB6-CAC1-683EB7AAE78A}"/>
+              </a:ext>
+            </a:extLst>
+          </p:cNvPr>
+          <p:cNvPicPr>
+            <a:picLocks noChangeAspect="1"/>
+          </p:cNvPicPr>
+          <p:nvPr/>
+        </p:nvPicPr>
+        <p:blipFill>
+          <a:blip r:embed="rId4">
+            <a:extLst>
+              <a:ext uri="{28A0092B-C50C-407E-A947-70E740481C1C}">
+                <a14:useLocalDpi xmlns:a14="http://schemas.microsoft.com/office/drawing/2010/main" val="0"/>
+              </a:ext>
+            </a:extLst>
+          </a:blip>
+          <a:stretch>
+            <a:fillRect/>
+          </a:stretch>
+        </p:blipFill>
+        <p:spPr>
+          <a:xfrm>
+            <a:off x="5558118" y="2151529"/>
+            <a:ext cx="6100483" cy="3563471"/>
+          </a:xfrm>
+          <a:prstGeom prst="rect">
+            <a:avLst/>
+          </a:prstGeom>
+        </p:spPr>
+      </p:pic>
       <p:sp>
         <p:nvSpPr>
-          <p:cNvPr id="5" name="TextBox 4">
-            <a:extLst>
-              <a:ext uri="{FF2B5EF4-FFF2-40B4-BE49-F238E27FC236}">
-                <a16:creationId xmlns:a16="http://schemas.microsoft.com/office/drawing/2014/main" id="{1AB19484-0F4D-9684-C047-2C66E9EB629A}"/>
+          <p:cNvPr id="9" name="TextBox 8">
+            <a:extLst>
+              <a:ext uri="{FF2B5EF4-FFF2-40B4-BE49-F238E27FC236}">
+                <a16:creationId xmlns:a16="http://schemas.microsoft.com/office/drawing/2014/main" id="{0C525805-553E-07F8-DEC4-1C689362DB55}"/>
               </a:ext>
             </a:extLst>
           </p:cNvPr>
@@ -3310,8 +3773,8 @@
         </p:nvSpPr>
         <p:spPr>
           <a:xfrm>
-            <a:off x="838199" y="2003612"/>
-            <a:ext cx="10676966" cy="2031325"/>
+            <a:off x="2034988" y="5715000"/>
+            <a:ext cx="9318813" cy="923330"/>
           </a:xfrm>
           <a:prstGeom prst="rect">
             <a:avLst/>
@@ -3326,72 +3789,189 @@
           <a:p>
             <a:r>
               <a:rPr lang="en-US" dirty="0"/>
-              <a:t>According to the results of the Logistic Regression Model, clients are </a:t>
-            </a:r>
-            <a:r>
-              <a:rPr lang="en-US" b="1" dirty="0"/>
-              <a:t>more likely to subscribe for a term deposit </a:t>
+              <a:t>There are very few false positives (predicted value was ‘Yes’, but actual value was ‘No’), but many false negatives (predicted value was ‘No’, when the actual value was ‘Yes’). </a:t>
+            </a:r>
+            <a:r>
+              <a:rPr lang="en-US" dirty="0" err="1"/>
+              <a:t>The</a:t>
             </a:r>
             <a:r>
               <a:rPr lang="en-US" dirty="0"/>
-              <a:t>if:</a:t>
-            </a:r>
-          </a:p>
-          <a:p>
-            <a:pPr marL="285750" indent="-285750">
-              <a:buFont typeface="Arial" panose="020B0604020202020204" pitchFamily="34" charset="0"/>
-              <a:buChar char="•"/>
-            </a:pPr>
-            <a:r>
-              <a:rPr lang="en-US" dirty="0"/>
-              <a:t> The outcome of the previous campaign was successful</a:t>
-            </a:r>
-          </a:p>
-          <a:p>
-            <a:pPr marL="285750" indent="-285750">
-              <a:buFont typeface="Arial" panose="020B0604020202020204" pitchFamily="34" charset="0"/>
-              <a:buChar char="•"/>
-            </a:pPr>
-            <a:r>
-              <a:rPr lang="en-US" dirty="0"/>
-              <a:t>It is the month of March, October, September, or December (from most likely to least likely)</a:t>
-            </a:r>
-          </a:p>
-          <a:p>
-            <a:pPr marL="285750" indent="-285750">
-              <a:buFont typeface="Arial" panose="020B0604020202020204" pitchFamily="34" charset="0"/>
-              <a:buChar char="•"/>
-            </a:pPr>
-            <a:r>
-              <a:rPr lang="en-US" dirty="0"/>
-              <a:t>They are contacted by cell phone</a:t>
-            </a:r>
-          </a:p>
-          <a:p>
-            <a:pPr marL="285750" indent="-285750">
-              <a:buFont typeface="Arial" panose="020B0604020202020204" pitchFamily="34" charset="0"/>
-              <a:buChar char="•"/>
-            </a:pPr>
-            <a:r>
-              <a:rPr lang="en-US" dirty="0"/>
-              <a:t>They are retired or a student</a:t>
-            </a:r>
-          </a:p>
-          <a:p>
-            <a:pPr marL="285750" indent="-285750">
-              <a:buFont typeface="Arial" panose="020B0604020202020204" pitchFamily="34" charset="0"/>
-              <a:buChar char="•"/>
-            </a:pPr>
-            <a:endParaRPr lang="en-US" dirty="0"/>
+              <a:t> model was very accurate at predicting ‘No’, but performed poorly when it came to predicting ‘Yes’. </a:t>
+            </a:r>
+          </a:p>
+        </p:txBody>
+      </p:sp>
+    </p:spTree>
+    <p:extLst>
+      <p:ext uri="{BB962C8B-B14F-4D97-AF65-F5344CB8AC3E}">
+        <p14:creationId xmlns:p14="http://schemas.microsoft.com/office/powerpoint/2010/main" val="3752857098"/>
+      </p:ext>
+    </p:extLst>
+  </p:cSld>
+  <p:clrMapOvr>
+    <a:masterClrMapping/>
+  </p:clrMapOvr>
+</p:sld>
+</file>
+
+<file path=ppt/slides/slide19.xml><?xml version="1.0" encoding="utf-8"?>
+<p:sld xmlns:a="http://schemas.openxmlformats.org/drawingml/2006/main" xmlns:r="http://schemas.openxmlformats.org/officeDocument/2006/relationships" xmlns:p="http://schemas.openxmlformats.org/presentationml/2006/main">
+  <p:cSld>
+    <p:spTree>
+      <p:nvGrpSpPr>
+        <p:cNvPr id="1" name=""/>
+        <p:cNvGrpSpPr/>
+        <p:nvPr/>
+      </p:nvGrpSpPr>
+      <p:grpSpPr>
+        <a:xfrm>
+          <a:off x="0" y="0"/>
+          <a:ext cx="0" cy="0"/>
+          <a:chOff x="0" y="0"/>
+          <a:chExt cx="0" cy="0"/>
+        </a:xfrm>
+      </p:grpSpPr>
+      <p:sp>
+        <p:nvSpPr>
+          <p:cNvPr id="2" name="Title 1">
+            <a:extLst>
+              <a:ext uri="{FF2B5EF4-FFF2-40B4-BE49-F238E27FC236}">
+                <a16:creationId xmlns:a16="http://schemas.microsoft.com/office/drawing/2014/main" id="{E8B8F26E-9345-4747-9094-972E38700A17}"/>
+              </a:ext>
+            </a:extLst>
+          </p:cNvPr>
+          <p:cNvSpPr>
+            <a:spLocks noGrp="1"/>
+          </p:cNvSpPr>
+          <p:nvPr>
+            <p:ph type="title"/>
+          </p:nvPr>
+        </p:nvSpPr>
+        <p:spPr>
+          <a:xfrm rot="5400000">
+            <a:off x="5278191" y="-5243846"/>
+            <a:ext cx="1678550" cy="12234932"/>
+          </a:xfrm>
+          <a:solidFill>
+            <a:srgbClr val="3B3B3B"/>
+          </a:solidFill>
+        </p:spPr>
+        <p:txBody>
+          <a:bodyPr vert="vert270" anchor="t" anchorCtr="0">
+            <a:normAutofit/>
+          </a:bodyPr>
+          <a:lstStyle/>
+          <a:p>
+            <a:pPr algn="ctr"/>
+            <a:br>
+              <a:rPr lang="en-US" b="1" dirty="0">
+                <a:solidFill>
+                  <a:srgbClr val="FF6600"/>
+                </a:solidFill>
+              </a:rPr>
+            </a:br>
+            <a:r>
+              <a:rPr lang="en-US" b="1" dirty="0">
+                <a:solidFill>
+                  <a:srgbClr val="FF6600"/>
+                </a:solidFill>
+              </a:rPr>
+              <a:t>Model Evaluation: Selecting the Best Model</a:t>
+            </a:r>
           </a:p>
         </p:txBody>
       </p:sp>
       <p:sp>
         <p:nvSpPr>
-          <p:cNvPr id="6" name="TextBox 5">
-            <a:extLst>
-              <a:ext uri="{FF2B5EF4-FFF2-40B4-BE49-F238E27FC236}">
-                <a16:creationId xmlns:a16="http://schemas.microsoft.com/office/drawing/2014/main" id="{8D9820DE-5DEC-85DA-B606-C72C0D4B605C}"/>
+          <p:cNvPr id="3" name="Subtitle 2">
+            <a:extLst>
+              <a:ext uri="{FF2B5EF4-FFF2-40B4-BE49-F238E27FC236}">
+                <a16:creationId xmlns:a16="http://schemas.microsoft.com/office/drawing/2014/main" id="{60B3D5A6-E766-7C41-BD00-B22DA4727FBA}"/>
+              </a:ext>
+            </a:extLst>
+          </p:cNvPr>
+          <p:cNvSpPr>
+            <a:spLocks noGrp="1"/>
+          </p:cNvSpPr>
+          <p:nvPr>
+            <p:ph idx="1"/>
+          </p:nvPr>
+        </p:nvSpPr>
+        <p:spPr>
+          <a:xfrm rot="5400000">
+            <a:off x="4235751" y="-1311163"/>
+            <a:ext cx="3777382" cy="10572485"/>
+          </a:xfrm>
+          <a:noFill/>
+        </p:spPr>
+        <p:txBody>
+          <a:bodyPr vert="vert270">
+            <a:normAutofit/>
+          </a:bodyPr>
+          <a:lstStyle/>
+          <a:p>
+            <a:endParaRPr lang="en-US" dirty="0">
+              <a:solidFill>
+                <a:srgbClr val="FF6600"/>
+              </a:solidFill>
+            </a:endParaRPr>
+          </a:p>
+          <a:p>
+            <a:pPr lvl="1"/>
+            <a:endParaRPr lang="en-US" sz="2000" dirty="0"/>
+          </a:p>
+          <a:p>
+            <a:endParaRPr lang="en-US" dirty="0">
+              <a:solidFill>
+                <a:srgbClr val="FF6600"/>
+              </a:solidFill>
+            </a:endParaRPr>
+          </a:p>
+        </p:txBody>
+      </p:sp>
+      <p:pic>
+        <p:nvPicPr>
+          <p:cNvPr id="4" name="Picture 3">
+            <a:extLst>
+              <a:ext uri="{FF2B5EF4-FFF2-40B4-BE49-F238E27FC236}">
+                <a16:creationId xmlns:a16="http://schemas.microsoft.com/office/drawing/2014/main" id="{7A465064-0714-5743-882B-8875105A7023}"/>
+              </a:ext>
+            </a:extLst>
+          </p:cNvPr>
+          <p:cNvPicPr>
+            <a:picLocks noChangeAspect="1"/>
+          </p:cNvPicPr>
+          <p:nvPr/>
+        </p:nvPicPr>
+        <p:blipFill>
+          <a:blip r:embed="rId2" cstate="print">
+            <a:extLst>
+              <a:ext uri="{28A0092B-C50C-407E-A947-70E740481C1C}">
+                <a14:useLocalDpi xmlns:a14="http://schemas.microsoft.com/office/drawing/2010/main" val="0"/>
+              </a:ext>
+            </a:extLst>
+          </a:blip>
+          <a:stretch>
+            <a:fillRect/>
+          </a:stretch>
+        </p:blipFill>
+        <p:spPr>
+          <a:xfrm>
+            <a:off x="0" y="5863771"/>
+            <a:ext cx="1654627" cy="994232"/>
+          </a:xfrm>
+          <a:prstGeom prst="rect">
+            <a:avLst/>
+          </a:prstGeom>
+        </p:spPr>
+      </p:pic>
+      <p:sp>
+        <p:nvSpPr>
+          <p:cNvPr id="5" name="TextBox 4">
+            <a:extLst>
+              <a:ext uri="{FF2B5EF4-FFF2-40B4-BE49-F238E27FC236}">
+                <a16:creationId xmlns:a16="http://schemas.microsoft.com/office/drawing/2014/main" id="{77BF0EC6-DE99-D36D-6270-3B19B80BC3D5}"/>
               </a:ext>
             </a:extLst>
           </p:cNvPr>
@@ -3400,8 +3980,8 @@
         </p:nvSpPr>
         <p:spPr>
           <a:xfrm>
-            <a:off x="838200" y="3850341"/>
-            <a:ext cx="10676966" cy="1754326"/>
+            <a:off x="1044388" y="2205318"/>
+            <a:ext cx="10215283" cy="2492990"/>
           </a:xfrm>
           <a:prstGeom prst="rect">
             <a:avLst/>
@@ -3415,57 +3995,20 @@
           <a:lstStyle/>
           <a:p>
             <a:r>
-              <a:rPr lang="en-US" dirty="0"/>
-              <a:t>According to the results of the Logistic Regression Model, clients are </a:t>
-            </a:r>
-            <a:r>
-              <a:rPr lang="en-US" b="1" dirty="0"/>
-              <a:t>less likely to subscribe for a term deposit </a:t>
-            </a:r>
-            <a:r>
-              <a:rPr lang="en-US" dirty="0"/>
-              <a:t>if:</a:t>
-            </a:r>
-          </a:p>
-          <a:p>
-            <a:pPr marL="285750" indent="-285750">
-              <a:buFont typeface="Arial" panose="020B0604020202020204" pitchFamily="34" charset="0"/>
-              <a:buChar char="•"/>
-            </a:pPr>
-            <a:r>
-              <a:rPr lang="en-US" dirty="0"/>
-              <a:t> It is the month of January, November, August, or July (from least likely to most likely)</a:t>
-            </a:r>
-          </a:p>
-          <a:p>
-            <a:pPr marL="285750" indent="-285750">
-              <a:buFont typeface="Arial" panose="020B0604020202020204" pitchFamily="34" charset="0"/>
-              <a:buChar char="•"/>
-            </a:pPr>
-            <a:r>
-              <a:rPr lang="en-US" dirty="0"/>
-              <a:t>Method of contact is unknown</a:t>
-            </a:r>
-          </a:p>
-          <a:p>
-            <a:pPr marL="285750" indent="-285750">
-              <a:buFont typeface="Arial" panose="020B0604020202020204" pitchFamily="34" charset="0"/>
-              <a:buChar char="•"/>
-            </a:pPr>
-            <a:r>
-              <a:rPr lang="en-US" dirty="0"/>
-              <a:t>The outcome of the previous campaign was a failure or unknown</a:t>
-            </a:r>
-          </a:p>
-          <a:p>
-            <a:pPr marL="285750" indent="-285750">
-              <a:buFont typeface="Arial" panose="020B0604020202020204" pitchFamily="34" charset="0"/>
-              <a:buChar char="•"/>
-            </a:pPr>
-            <a:r>
-              <a:rPr lang="en-US" dirty="0"/>
-              <a:t>The client has a housing loan or personal loan</a:t>
-            </a:r>
+              <a:rPr lang="en-US" sz="2400" dirty="0"/>
+              <a:t>All 3 of the models had roughly the same accuracy of </a:t>
+            </a:r>
+            <a:r>
+              <a:rPr lang="en-US" sz="2400" b="1" dirty="0"/>
+              <a:t>89%</a:t>
+            </a:r>
+            <a:r>
+              <a:rPr lang="en-US" sz="2400" dirty="0"/>
+              <a:t>. The Artificial Neural Network was slightly better at predicting ‘Yes’ than the other models, but all 3 models had very similar precision, recall, and overall accuracy. We can use any of the 3 models to predict whether a client will subscribe for a term deposit. We can also fine tune the models to achieve a greater accuracy. </a:t>
+            </a:r>
+          </a:p>
+          <a:p>
+            <a:endParaRPr lang="en-US" dirty="0"/>
           </a:p>
           <a:p>
             <a:endParaRPr lang="en-US" dirty="0"/>
@@ -3475,7 +4018,7 @@
     </p:spTree>
     <p:extLst>
       <p:ext uri="{BB962C8B-B14F-4D97-AF65-F5344CB8AC3E}">
-        <p14:creationId xmlns:p14="http://schemas.microsoft.com/office/powerpoint/2010/main" val="1745955680"/>
+        <p14:creationId xmlns:p14="http://schemas.microsoft.com/office/powerpoint/2010/main" val="3154678756"/>
       </p:ext>
     </p:extLst>
   </p:cSld>
@@ -3712,6 +4255,349 @@
     <p:extLst>
       <p:ext uri="{BB962C8B-B14F-4D97-AF65-F5344CB8AC3E}">
         <p14:creationId xmlns:p14="http://schemas.microsoft.com/office/powerpoint/2010/main" val="3361683235"/>
+      </p:ext>
+    </p:extLst>
+  </p:cSld>
+  <p:clrMapOvr>
+    <a:masterClrMapping/>
+  </p:clrMapOvr>
+</p:sld>
+</file>
+
+<file path=ppt/slides/slide20.xml><?xml version="1.0" encoding="utf-8"?>
+<p:sld xmlns:a="http://schemas.openxmlformats.org/drawingml/2006/main" xmlns:r="http://schemas.openxmlformats.org/officeDocument/2006/relationships" xmlns:p="http://schemas.openxmlformats.org/presentationml/2006/main">
+  <p:cSld>
+    <p:spTree>
+      <p:nvGrpSpPr>
+        <p:cNvPr id="1" name=""/>
+        <p:cNvGrpSpPr/>
+        <p:nvPr/>
+      </p:nvGrpSpPr>
+      <p:grpSpPr>
+        <a:xfrm>
+          <a:off x="0" y="0"/>
+          <a:ext cx="0" cy="0"/>
+          <a:chOff x="0" y="0"/>
+          <a:chExt cx="0" cy="0"/>
+        </a:xfrm>
+      </p:grpSpPr>
+      <p:sp>
+        <p:nvSpPr>
+          <p:cNvPr id="2" name="Title 1">
+            <a:extLst>
+              <a:ext uri="{FF2B5EF4-FFF2-40B4-BE49-F238E27FC236}">
+                <a16:creationId xmlns:a16="http://schemas.microsoft.com/office/drawing/2014/main" id="{E8B8F26E-9345-4747-9094-972E38700A17}"/>
+              </a:ext>
+            </a:extLst>
+          </p:cNvPr>
+          <p:cNvSpPr>
+            <a:spLocks noGrp="1"/>
+          </p:cNvSpPr>
+          <p:nvPr>
+            <p:ph type="title"/>
+          </p:nvPr>
+        </p:nvSpPr>
+        <p:spPr>
+          <a:xfrm rot="5400000">
+            <a:off x="5278191" y="-5243846"/>
+            <a:ext cx="1678550" cy="12234932"/>
+          </a:xfrm>
+          <a:solidFill>
+            <a:srgbClr val="3B3B3B"/>
+          </a:solidFill>
+        </p:spPr>
+        <p:txBody>
+          <a:bodyPr vert="vert270" anchor="t" anchorCtr="0">
+            <a:normAutofit/>
+          </a:bodyPr>
+          <a:lstStyle/>
+          <a:p>
+            <a:pPr algn="ctr"/>
+            <a:br>
+              <a:rPr lang="en-US" b="1" dirty="0">
+                <a:solidFill>
+                  <a:srgbClr val="FF6600"/>
+                </a:solidFill>
+              </a:rPr>
+            </a:br>
+            <a:r>
+              <a:rPr lang="en-US" b="1" dirty="0">
+                <a:solidFill>
+                  <a:srgbClr val="FF6600"/>
+                </a:solidFill>
+              </a:rPr>
+              <a:t>Results</a:t>
+            </a:r>
+          </a:p>
+        </p:txBody>
+      </p:sp>
+      <p:sp>
+        <p:nvSpPr>
+          <p:cNvPr id="3" name="Subtitle 2">
+            <a:extLst>
+              <a:ext uri="{FF2B5EF4-FFF2-40B4-BE49-F238E27FC236}">
+                <a16:creationId xmlns:a16="http://schemas.microsoft.com/office/drawing/2014/main" id="{60B3D5A6-E766-7C41-BD00-B22DA4727FBA}"/>
+              </a:ext>
+            </a:extLst>
+          </p:cNvPr>
+          <p:cNvSpPr>
+            <a:spLocks noGrp="1"/>
+          </p:cNvSpPr>
+          <p:nvPr>
+            <p:ph idx="1"/>
+          </p:nvPr>
+        </p:nvSpPr>
+        <p:spPr>
+          <a:xfrm rot="5400000">
+            <a:off x="5367970" y="-2443382"/>
+            <a:ext cx="1512943" cy="10572485"/>
+          </a:xfrm>
+          <a:noFill/>
+        </p:spPr>
+        <p:txBody>
+          <a:bodyPr vert="vert270">
+            <a:normAutofit/>
+          </a:bodyPr>
+          <a:lstStyle/>
+          <a:p>
+            <a:endParaRPr lang="en-US" dirty="0">
+              <a:solidFill>
+                <a:srgbClr val="FF6600"/>
+              </a:solidFill>
+            </a:endParaRPr>
+          </a:p>
+          <a:p>
+            <a:pPr lvl="1"/>
+            <a:endParaRPr lang="en-US" sz="2000" dirty="0"/>
+          </a:p>
+          <a:p>
+            <a:pPr marL="0" indent="0">
+              <a:buNone/>
+            </a:pPr>
+            <a:endParaRPr lang="en-US" dirty="0">
+              <a:solidFill>
+                <a:srgbClr val="FF6600"/>
+              </a:solidFill>
+            </a:endParaRPr>
+          </a:p>
+        </p:txBody>
+      </p:sp>
+      <p:pic>
+        <p:nvPicPr>
+          <p:cNvPr id="4" name="Picture 3">
+            <a:extLst>
+              <a:ext uri="{FF2B5EF4-FFF2-40B4-BE49-F238E27FC236}">
+                <a16:creationId xmlns:a16="http://schemas.microsoft.com/office/drawing/2014/main" id="{7A465064-0714-5743-882B-8875105A7023}"/>
+              </a:ext>
+            </a:extLst>
+          </p:cNvPr>
+          <p:cNvPicPr>
+            <a:picLocks noChangeAspect="1"/>
+          </p:cNvPicPr>
+          <p:nvPr/>
+        </p:nvPicPr>
+        <p:blipFill>
+          <a:blip r:embed="rId2" cstate="print">
+            <a:extLst>
+              <a:ext uri="{28A0092B-C50C-407E-A947-70E740481C1C}">
+                <a14:useLocalDpi xmlns:a14="http://schemas.microsoft.com/office/drawing/2010/main" val="0"/>
+              </a:ext>
+            </a:extLst>
+          </a:blip>
+          <a:stretch>
+            <a:fillRect/>
+          </a:stretch>
+        </p:blipFill>
+        <p:spPr>
+          <a:xfrm>
+            <a:off x="0" y="5863771"/>
+            <a:ext cx="1654627" cy="994232"/>
+          </a:xfrm>
+          <a:prstGeom prst="rect">
+            <a:avLst/>
+          </a:prstGeom>
+        </p:spPr>
+      </p:pic>
+      <p:sp>
+        <p:nvSpPr>
+          <p:cNvPr id="5" name="TextBox 4">
+            <a:extLst>
+              <a:ext uri="{FF2B5EF4-FFF2-40B4-BE49-F238E27FC236}">
+                <a16:creationId xmlns:a16="http://schemas.microsoft.com/office/drawing/2014/main" id="{1AB19484-0F4D-9684-C047-2C66E9EB629A}"/>
+              </a:ext>
+            </a:extLst>
+          </p:cNvPr>
+          <p:cNvSpPr txBox="1"/>
+          <p:nvPr/>
+        </p:nvSpPr>
+        <p:spPr>
+          <a:xfrm>
+            <a:off x="838199" y="2003612"/>
+            <a:ext cx="10676966" cy="2031325"/>
+          </a:xfrm>
+          <a:prstGeom prst="rect">
+            <a:avLst/>
+          </a:prstGeom>
+          <a:noFill/>
+        </p:spPr>
+        <p:txBody>
+          <a:bodyPr wrap="square" rtlCol="0">
+            <a:spAutoFit/>
+          </a:bodyPr>
+          <a:lstStyle/>
+          <a:p>
+            <a:r>
+              <a:rPr lang="en-US" dirty="0"/>
+              <a:t>According to the results of the Logistic Regression Model, clients are </a:t>
+            </a:r>
+            <a:r>
+              <a:rPr lang="en-US" b="1" dirty="0"/>
+              <a:t>more likely to subscribe for a term deposit </a:t>
+            </a:r>
+            <a:r>
+              <a:rPr lang="en-US" dirty="0"/>
+              <a:t>if:</a:t>
+            </a:r>
+          </a:p>
+          <a:p>
+            <a:pPr marL="285750" indent="-285750">
+              <a:buFont typeface="Arial" panose="020B0604020202020204" pitchFamily="34" charset="0"/>
+              <a:buChar char="•"/>
+            </a:pPr>
+            <a:r>
+              <a:rPr lang="en-US" dirty="0"/>
+              <a:t> The outcome of the previous campaign was successful</a:t>
+            </a:r>
+          </a:p>
+          <a:p>
+            <a:pPr marL="285750" indent="-285750">
+              <a:buFont typeface="Arial" panose="020B0604020202020204" pitchFamily="34" charset="0"/>
+              <a:buChar char="•"/>
+            </a:pPr>
+            <a:r>
+              <a:rPr lang="en-US" dirty="0"/>
+              <a:t>It is the month of March, October, September, or December (from most likely to least likely)</a:t>
+            </a:r>
+          </a:p>
+          <a:p>
+            <a:pPr marL="285750" indent="-285750">
+              <a:buFont typeface="Arial" panose="020B0604020202020204" pitchFamily="34" charset="0"/>
+              <a:buChar char="•"/>
+            </a:pPr>
+            <a:r>
+              <a:rPr lang="en-US" dirty="0"/>
+              <a:t>They are contacted by cell phone</a:t>
+            </a:r>
+          </a:p>
+          <a:p>
+            <a:pPr marL="285750" indent="-285750">
+              <a:buFont typeface="Arial" panose="020B0604020202020204" pitchFamily="34" charset="0"/>
+              <a:buChar char="•"/>
+            </a:pPr>
+            <a:r>
+              <a:rPr lang="en-US" dirty="0"/>
+              <a:t>They are retired or a student</a:t>
+            </a:r>
+          </a:p>
+          <a:p>
+            <a:pPr marL="285750" indent="-285750">
+              <a:buFont typeface="Arial" panose="020B0604020202020204" pitchFamily="34" charset="0"/>
+              <a:buChar char="•"/>
+            </a:pPr>
+            <a:endParaRPr lang="en-US" dirty="0"/>
+          </a:p>
+        </p:txBody>
+      </p:sp>
+      <p:sp>
+        <p:nvSpPr>
+          <p:cNvPr id="6" name="TextBox 5">
+            <a:extLst>
+              <a:ext uri="{FF2B5EF4-FFF2-40B4-BE49-F238E27FC236}">
+                <a16:creationId xmlns:a16="http://schemas.microsoft.com/office/drawing/2014/main" id="{8D9820DE-5DEC-85DA-B606-C72C0D4B605C}"/>
+              </a:ext>
+            </a:extLst>
+          </p:cNvPr>
+          <p:cNvSpPr txBox="1"/>
+          <p:nvPr/>
+        </p:nvSpPr>
+        <p:spPr>
+          <a:xfrm>
+            <a:off x="838200" y="3850341"/>
+            <a:ext cx="10676966" cy="1754326"/>
+          </a:xfrm>
+          <a:prstGeom prst="rect">
+            <a:avLst/>
+          </a:prstGeom>
+          <a:noFill/>
+        </p:spPr>
+        <p:txBody>
+          <a:bodyPr wrap="square" rtlCol="0">
+            <a:spAutoFit/>
+          </a:bodyPr>
+          <a:lstStyle/>
+          <a:p>
+            <a:r>
+              <a:rPr lang="en-US" dirty="0"/>
+              <a:t>According to the results of the Logistic Regression Model, clients are </a:t>
+            </a:r>
+            <a:r>
+              <a:rPr lang="en-US" b="1" dirty="0"/>
+              <a:t>less likely to subscribe for a term deposit </a:t>
+            </a:r>
+            <a:r>
+              <a:rPr lang="en-US" dirty="0"/>
+              <a:t>if:</a:t>
+            </a:r>
+          </a:p>
+          <a:p>
+            <a:pPr marL="285750" indent="-285750">
+              <a:buFont typeface="Arial" panose="020B0604020202020204" pitchFamily="34" charset="0"/>
+              <a:buChar char="•"/>
+            </a:pPr>
+            <a:r>
+              <a:rPr lang="en-US" dirty="0"/>
+              <a:t> It is the month of January, November, August, or July (from least likely to most likely)</a:t>
+            </a:r>
+          </a:p>
+          <a:p>
+            <a:pPr marL="285750" indent="-285750">
+              <a:buFont typeface="Arial" panose="020B0604020202020204" pitchFamily="34" charset="0"/>
+              <a:buChar char="•"/>
+            </a:pPr>
+            <a:r>
+              <a:rPr lang="en-US" dirty="0"/>
+              <a:t>Method of contact is unknown</a:t>
+            </a:r>
+          </a:p>
+          <a:p>
+            <a:pPr marL="285750" indent="-285750">
+              <a:buFont typeface="Arial" panose="020B0604020202020204" pitchFamily="34" charset="0"/>
+              <a:buChar char="•"/>
+            </a:pPr>
+            <a:r>
+              <a:rPr lang="en-US" dirty="0"/>
+              <a:t>The outcome of the previous campaign was a failure or unknown</a:t>
+            </a:r>
+          </a:p>
+          <a:p>
+            <a:pPr marL="285750" indent="-285750">
+              <a:buFont typeface="Arial" panose="020B0604020202020204" pitchFamily="34" charset="0"/>
+              <a:buChar char="•"/>
+            </a:pPr>
+            <a:r>
+              <a:rPr lang="en-US" dirty="0"/>
+              <a:t>The client has a housing loan or personal loan</a:t>
+            </a:r>
+          </a:p>
+          <a:p>
+            <a:endParaRPr lang="en-US" dirty="0"/>
+          </a:p>
+        </p:txBody>
+      </p:sp>
+    </p:spTree>
+    <p:extLst>
+      <p:ext uri="{BB962C8B-B14F-4D97-AF65-F5344CB8AC3E}">
+        <p14:creationId xmlns:p14="http://schemas.microsoft.com/office/powerpoint/2010/main" val="1745955680"/>
       </p:ext>
     </p:extLst>
   </p:cSld>
@@ -3981,7 +4867,7 @@
                   <a:srgbClr val="FF6600"/>
                 </a:solidFill>
               </a:rPr>
-              <a:t>Potential Problems with the Data</a:t>
+              <a:t>Identifying Outliers and Skewness</a:t>
             </a:r>
           </a:p>
         </p:txBody>
@@ -4004,16 +4890,20 @@
         </p:nvSpPr>
         <p:spPr>
           <a:xfrm rot="5400000">
-            <a:off x="4235751" y="-1311163"/>
-            <a:ext cx="3777382" cy="10572485"/>
+            <a:off x="6097123" y="1214023"/>
+            <a:ext cx="278756" cy="10572485"/>
           </a:xfrm>
           <a:noFill/>
         </p:spPr>
         <p:txBody>
           <a:bodyPr vert="vert270">
-            <a:normAutofit fontScale="92500"/>
+            <a:normAutofit fontScale="40000" lnSpcReduction="20000"/>
           </a:bodyPr>
           <a:lstStyle/>
+          <a:p>
+            <a:pPr lvl="1"/>
+            <a:endParaRPr lang="en-US" sz="2000" dirty="0"/>
+          </a:p>
           <a:p>
             <a:endParaRPr lang="en-US" dirty="0">
               <a:solidFill>
@@ -4021,58 +4911,6 @@
               </a:solidFill>
             </a:endParaRPr>
           </a:p>
-          <a:p>
-            <a:r>
-              <a:rPr lang="en-US" b="1" dirty="0"/>
-              <a:t>Missing Values</a:t>
-            </a:r>
-            <a:r>
-              <a:rPr lang="en-US" dirty="0"/>
-              <a:t>:  In both of our datasets, we did not find any missing or NA values, so there was no need to deal with missing values.</a:t>
-            </a:r>
-          </a:p>
-          <a:p>
-            <a:endParaRPr lang="en-US" dirty="0"/>
-          </a:p>
-          <a:p>
-            <a:r>
-              <a:rPr lang="en-US" b="1" dirty="0"/>
-              <a:t>Outliers</a:t>
-            </a:r>
-            <a:r>
-              <a:rPr lang="en-US" dirty="0"/>
-              <a:t>: Most numeric variables in the dataset contained many outliers.</a:t>
-            </a:r>
-          </a:p>
-          <a:p>
-            <a:endParaRPr lang="en-US" sz="2000" dirty="0"/>
-          </a:p>
-          <a:p>
-            <a:r>
-              <a:rPr lang="en-US" b="1" dirty="0"/>
-              <a:t>Skewness: </a:t>
-            </a:r>
-            <a:r>
-              <a:rPr lang="en-US" dirty="0"/>
-              <a:t>Many of the numeric variables in the dataset were skewed, including ‘</a:t>
-            </a:r>
-            <a:r>
-              <a:rPr lang="en-US" dirty="0" err="1"/>
-              <a:t>pdays</a:t>
-            </a:r>
-            <a:r>
-              <a:rPr lang="en-US" dirty="0"/>
-              <a:t>’, ‘duration’, ‘campaign’, ‘previous’, and ‘balance’.</a:t>
-            </a:r>
-            <a:endParaRPr lang="en-US" b="1" dirty="0"/>
-          </a:p>
-          <a:p>
-            <a:endParaRPr lang="en-US" dirty="0">
-              <a:solidFill>
-                <a:srgbClr val="FF6600"/>
-              </a:solidFill>
-            </a:endParaRPr>
-          </a:p>
         </p:txBody>
       </p:sp>
       <p:pic>
@@ -4111,10 +4949,226 @@
           </a:prstGeom>
         </p:spPr>
       </p:pic>
+      <p:pic>
+        <p:nvPicPr>
+          <p:cNvPr id="6" name="Picture 5" descr="Chart, histogram&#10;&#10;Description automatically generated">
+            <a:extLst>
+              <a:ext uri="{FF2B5EF4-FFF2-40B4-BE49-F238E27FC236}">
+                <a16:creationId xmlns:a16="http://schemas.microsoft.com/office/drawing/2014/main" id="{9029A9EA-59A4-1DB5-09AD-C469CF82745A}"/>
+              </a:ext>
+            </a:extLst>
+          </p:cNvPr>
+          <p:cNvPicPr>
+            <a:picLocks noChangeAspect="1"/>
+          </p:cNvPicPr>
+          <p:nvPr/>
+        </p:nvPicPr>
+        <p:blipFill>
+          <a:blip r:embed="rId3">
+            <a:extLst>
+              <a:ext uri="{28A0092B-C50C-407E-A947-70E740481C1C}">
+                <a14:useLocalDpi xmlns:a14="http://schemas.microsoft.com/office/drawing/2010/main" val="0"/>
+              </a:ext>
+            </a:extLst>
+          </a:blip>
+          <a:stretch>
+            <a:fillRect/>
+          </a:stretch>
+        </p:blipFill>
+        <p:spPr>
+          <a:xfrm>
+            <a:off x="421276" y="1919565"/>
+            <a:ext cx="3426411" cy="2310812"/>
+          </a:xfrm>
+          <a:prstGeom prst="rect">
+            <a:avLst/>
+          </a:prstGeom>
+        </p:spPr>
+      </p:pic>
+      <p:pic>
+        <p:nvPicPr>
+          <p:cNvPr id="8" name="Picture 7" descr="Chart, histogram&#10;&#10;Description automatically generated">
+            <a:extLst>
+              <a:ext uri="{FF2B5EF4-FFF2-40B4-BE49-F238E27FC236}">
+                <a16:creationId xmlns:a16="http://schemas.microsoft.com/office/drawing/2014/main" id="{36087954-C826-9F0D-895A-99B75118931A}"/>
+              </a:ext>
+            </a:extLst>
+          </p:cNvPr>
+          <p:cNvPicPr>
+            <a:picLocks noChangeAspect="1"/>
+          </p:cNvPicPr>
+          <p:nvPr/>
+        </p:nvPicPr>
+        <p:blipFill>
+          <a:blip r:embed="rId4">
+            <a:extLst>
+              <a:ext uri="{28A0092B-C50C-407E-A947-70E740481C1C}">
+                <a14:useLocalDpi xmlns:a14="http://schemas.microsoft.com/office/drawing/2010/main" val="0"/>
+              </a:ext>
+            </a:extLst>
+          </a:blip>
+          <a:stretch>
+            <a:fillRect/>
+          </a:stretch>
+        </p:blipFill>
+        <p:spPr>
+          <a:xfrm>
+            <a:off x="4022085" y="1919565"/>
+            <a:ext cx="3392097" cy="2310812"/>
+          </a:xfrm>
+          <a:prstGeom prst="rect">
+            <a:avLst/>
+          </a:prstGeom>
+        </p:spPr>
+      </p:pic>
+      <p:pic>
+        <p:nvPicPr>
+          <p:cNvPr id="10" name="Picture 9" descr="Chart, histogram&#10;&#10;Description automatically generated">
+            <a:extLst>
+              <a:ext uri="{FF2B5EF4-FFF2-40B4-BE49-F238E27FC236}">
+                <a16:creationId xmlns:a16="http://schemas.microsoft.com/office/drawing/2014/main" id="{430EC291-89B4-DC0A-C703-4ED2067D4BAA}"/>
+              </a:ext>
+            </a:extLst>
+          </p:cNvPr>
+          <p:cNvPicPr>
+            <a:picLocks noChangeAspect="1"/>
+          </p:cNvPicPr>
+          <p:nvPr/>
+        </p:nvPicPr>
+        <p:blipFill>
+          <a:blip r:embed="rId5">
+            <a:extLst>
+              <a:ext uri="{28A0092B-C50C-407E-A947-70E740481C1C}">
+                <a14:useLocalDpi xmlns:a14="http://schemas.microsoft.com/office/drawing/2010/main" val="0"/>
+              </a:ext>
+            </a:extLst>
+          </a:blip>
+          <a:stretch>
+            <a:fillRect/>
+          </a:stretch>
+        </p:blipFill>
+        <p:spPr>
+          <a:xfrm>
+            <a:off x="7588580" y="1919566"/>
+            <a:ext cx="3680517" cy="2310812"/>
+          </a:xfrm>
+          <a:prstGeom prst="rect">
+            <a:avLst/>
+          </a:prstGeom>
+        </p:spPr>
+      </p:pic>
+      <p:pic>
+        <p:nvPicPr>
+          <p:cNvPr id="12" name="Picture 11" descr="Chart, histogram&#10;&#10;Description automatically generated">
+            <a:extLst>
+              <a:ext uri="{FF2B5EF4-FFF2-40B4-BE49-F238E27FC236}">
+                <a16:creationId xmlns:a16="http://schemas.microsoft.com/office/drawing/2014/main" id="{A68D8EBF-D3E5-1633-46B2-9DBA1C641865}"/>
+              </a:ext>
+            </a:extLst>
+          </p:cNvPr>
+          <p:cNvPicPr>
+            <a:picLocks noChangeAspect="1"/>
+          </p:cNvPicPr>
+          <p:nvPr/>
+        </p:nvPicPr>
+        <p:blipFill>
+          <a:blip r:embed="rId6">
+            <a:extLst>
+              <a:ext uri="{28A0092B-C50C-407E-A947-70E740481C1C}">
+                <a14:useLocalDpi xmlns:a14="http://schemas.microsoft.com/office/drawing/2010/main" val="0"/>
+              </a:ext>
+            </a:extLst>
+          </a:blip>
+          <a:stretch>
+            <a:fillRect/>
+          </a:stretch>
+        </p:blipFill>
+        <p:spPr>
+          <a:xfrm>
+            <a:off x="3660781" y="4161934"/>
+            <a:ext cx="3918243" cy="2567680"/>
+          </a:xfrm>
+          <a:prstGeom prst="rect">
+            <a:avLst/>
+          </a:prstGeom>
+        </p:spPr>
+      </p:pic>
+      <p:pic>
+        <p:nvPicPr>
+          <p:cNvPr id="14" name="Picture 13" descr="Chart, histogram&#10;&#10;Description automatically generated">
+            <a:extLst>
+              <a:ext uri="{FF2B5EF4-FFF2-40B4-BE49-F238E27FC236}">
+                <a16:creationId xmlns:a16="http://schemas.microsoft.com/office/drawing/2014/main" id="{E9C7D303-415F-D05D-8775-1D0BC34DAA78}"/>
+              </a:ext>
+            </a:extLst>
+          </p:cNvPr>
+          <p:cNvPicPr>
+            <a:picLocks noChangeAspect="1"/>
+          </p:cNvPicPr>
+          <p:nvPr/>
+        </p:nvPicPr>
+        <p:blipFill>
+          <a:blip r:embed="rId7">
+            <a:extLst>
+              <a:ext uri="{28A0092B-C50C-407E-A947-70E740481C1C}">
+                <a14:useLocalDpi xmlns:a14="http://schemas.microsoft.com/office/drawing/2010/main" val="0"/>
+              </a:ext>
+            </a:extLst>
+          </a:blip>
+          <a:stretch>
+            <a:fillRect/>
+          </a:stretch>
+        </p:blipFill>
+        <p:spPr>
+          <a:xfrm>
+            <a:off x="7579024" y="4161933"/>
+            <a:ext cx="3690073" cy="2477711"/>
+          </a:xfrm>
+          <a:prstGeom prst="rect">
+            <a:avLst/>
+          </a:prstGeom>
+        </p:spPr>
+      </p:pic>
+      <p:pic>
+        <p:nvPicPr>
+          <p:cNvPr id="16" name="Picture 15" descr="Chart, bar chart, histogram&#10;&#10;Description automatically generated">
+            <a:extLst>
+              <a:ext uri="{FF2B5EF4-FFF2-40B4-BE49-F238E27FC236}">
+                <a16:creationId xmlns:a16="http://schemas.microsoft.com/office/drawing/2014/main" id="{6E49992C-C06C-18A5-A3F5-2BE7F8046594}"/>
+              </a:ext>
+            </a:extLst>
+          </p:cNvPr>
+          <p:cNvPicPr>
+            <a:picLocks noChangeAspect="1"/>
+          </p:cNvPicPr>
+          <p:nvPr/>
+        </p:nvPicPr>
+        <p:blipFill>
+          <a:blip r:embed="rId8">
+            <a:extLst>
+              <a:ext uri="{28A0092B-C50C-407E-A947-70E740481C1C}">
+                <a14:useLocalDpi xmlns:a14="http://schemas.microsoft.com/office/drawing/2010/main" val="0"/>
+              </a:ext>
+            </a:extLst>
+          </a:blip>
+          <a:stretch>
+            <a:fillRect/>
+          </a:stretch>
+        </p:blipFill>
+        <p:spPr>
+          <a:xfrm>
+            <a:off x="297705" y="4161934"/>
+            <a:ext cx="3530517" cy="2567680"/>
+          </a:xfrm>
+          <a:prstGeom prst="rect">
+            <a:avLst/>
+          </a:prstGeom>
+        </p:spPr>
+      </p:pic>
     </p:spTree>
     <p:extLst>
       <p:ext uri="{BB962C8B-B14F-4D97-AF65-F5344CB8AC3E}">
-        <p14:creationId xmlns:p14="http://schemas.microsoft.com/office/powerpoint/2010/main" val="2059524495"/>
+        <p14:creationId xmlns:p14="http://schemas.microsoft.com/office/powerpoint/2010/main" val="1650512592"/>
       </p:ext>
     </p:extLst>
   </p:cSld>
@@ -4186,7 +5240,7 @@
                   <a:srgbClr val="FF6600"/>
                 </a:solidFill>
               </a:rPr>
-              <a:t>Identifying Outliers and Skewness</a:t>
+              <a:t>Identifying Outliers and Skewness Cont.</a:t>
             </a:r>
           </a:p>
         </p:txBody>
@@ -4270,7 +5324,7 @@
       </p:pic>
       <p:pic>
         <p:nvPicPr>
-          <p:cNvPr id="6" name="Picture 5" descr="Chart, histogram&#10;&#10;Description automatically generated">
+          <p:cNvPr id="6" name="Picture 5">
             <a:extLst>
               <a:ext uri="{FF2B5EF4-FFF2-40B4-BE49-F238E27FC236}">
                 <a16:creationId xmlns:a16="http://schemas.microsoft.com/office/drawing/2014/main" id="{9029A9EA-59A4-1DB5-09AD-C469CF82745A}"/>
@@ -4290,14 +5344,13 @@
               </a:ext>
             </a:extLst>
           </a:blip>
-          <a:stretch>
-            <a:fillRect/>
-          </a:stretch>
+          <a:srcRect/>
+          <a:stretch/>
         </p:blipFill>
         <p:spPr>
           <a:xfrm>
-            <a:off x="421276" y="1919565"/>
-            <a:ext cx="3426411" cy="2310812"/>
+            <a:off x="612833" y="1919565"/>
+            <a:ext cx="3043296" cy="2310812"/>
           </a:xfrm>
           <a:prstGeom prst="rect">
             <a:avLst/>
@@ -4306,7 +5359,7 @@
       </p:pic>
       <p:pic>
         <p:nvPicPr>
-          <p:cNvPr id="8" name="Picture 7" descr="Chart, histogram&#10;&#10;Description automatically generated">
+          <p:cNvPr id="8" name="Picture 7">
             <a:extLst>
               <a:ext uri="{FF2B5EF4-FFF2-40B4-BE49-F238E27FC236}">
                 <a16:creationId xmlns:a16="http://schemas.microsoft.com/office/drawing/2014/main" id="{36087954-C826-9F0D-895A-99B75118931A}"/>
@@ -4326,14 +5379,13 @@
               </a:ext>
             </a:extLst>
           </a:blip>
-          <a:stretch>
-            <a:fillRect/>
-          </a:stretch>
+          <a:srcRect/>
+          <a:stretch/>
         </p:blipFill>
         <p:spPr>
           <a:xfrm>
-            <a:off x="4022085" y="1919565"/>
-            <a:ext cx="3392097" cy="2310812"/>
+            <a:off x="4196485" y="1919565"/>
+            <a:ext cx="3043296" cy="2310812"/>
           </a:xfrm>
           <a:prstGeom prst="rect">
             <a:avLst/>
@@ -4342,7 +5394,7 @@
       </p:pic>
       <p:pic>
         <p:nvPicPr>
-          <p:cNvPr id="10" name="Picture 9" descr="Chart, histogram&#10;&#10;Description automatically generated">
+          <p:cNvPr id="10" name="Picture 9">
             <a:extLst>
               <a:ext uri="{FF2B5EF4-FFF2-40B4-BE49-F238E27FC236}">
                 <a16:creationId xmlns:a16="http://schemas.microsoft.com/office/drawing/2014/main" id="{430EC291-89B4-DC0A-C703-4ED2067D4BAA}"/>
@@ -4362,14 +5414,13 @@
               </a:ext>
             </a:extLst>
           </a:blip>
-          <a:stretch>
-            <a:fillRect/>
-          </a:stretch>
+          <a:srcRect/>
+          <a:stretch/>
         </p:blipFill>
         <p:spPr>
           <a:xfrm>
-            <a:off x="7588580" y="1919566"/>
-            <a:ext cx="3680517" cy="2310812"/>
+            <a:off x="7907190" y="1919566"/>
+            <a:ext cx="3043296" cy="2310812"/>
           </a:xfrm>
           <a:prstGeom prst="rect">
             <a:avLst/>
@@ -4378,7 +5429,7 @@
       </p:pic>
       <p:pic>
         <p:nvPicPr>
-          <p:cNvPr id="12" name="Picture 11" descr="Chart, histogram&#10;&#10;Description automatically generated">
+          <p:cNvPr id="12" name="Picture 11">
             <a:extLst>
               <a:ext uri="{FF2B5EF4-FFF2-40B4-BE49-F238E27FC236}">
                 <a16:creationId xmlns:a16="http://schemas.microsoft.com/office/drawing/2014/main" id="{A68D8EBF-D3E5-1633-46B2-9DBA1C641865}"/>
@@ -4398,14 +5449,13 @@
               </a:ext>
             </a:extLst>
           </a:blip>
-          <a:stretch>
-            <a:fillRect/>
-          </a:stretch>
+          <a:srcRect/>
+          <a:stretch/>
         </p:blipFill>
         <p:spPr>
           <a:xfrm>
-            <a:off x="3660781" y="4161934"/>
-            <a:ext cx="3918243" cy="2567680"/>
+            <a:off x="3929109" y="4161934"/>
+            <a:ext cx="3381586" cy="2567680"/>
           </a:xfrm>
           <a:prstGeom prst="rect">
             <a:avLst/>
@@ -4414,7 +5464,7 @@
       </p:pic>
       <p:pic>
         <p:nvPicPr>
-          <p:cNvPr id="14" name="Picture 13" descr="Chart, histogram&#10;&#10;Description automatically generated">
+          <p:cNvPr id="14" name="Picture 13">
             <a:extLst>
               <a:ext uri="{FF2B5EF4-FFF2-40B4-BE49-F238E27FC236}">
                 <a16:creationId xmlns:a16="http://schemas.microsoft.com/office/drawing/2014/main" id="{E9C7D303-415F-D05D-8775-1D0BC34DAA78}"/>
@@ -4434,14 +5484,13 @@
               </a:ext>
             </a:extLst>
           </a:blip>
-          <a:stretch>
-            <a:fillRect/>
-          </a:stretch>
+          <a:srcRect/>
+          <a:stretch/>
         </p:blipFill>
         <p:spPr>
           <a:xfrm>
-            <a:off x="7579024" y="4161933"/>
-            <a:ext cx="3690073" cy="2477711"/>
+            <a:off x="7792511" y="4161933"/>
+            <a:ext cx="3263098" cy="2477711"/>
           </a:xfrm>
           <a:prstGeom prst="rect">
             <a:avLst/>
@@ -4450,7 +5499,7 @@
       </p:pic>
       <p:pic>
         <p:nvPicPr>
-          <p:cNvPr id="16" name="Picture 15" descr="Chart, bar chart, histogram&#10;&#10;Description automatically generated">
+          <p:cNvPr id="16" name="Picture 15">
             <a:extLst>
               <a:ext uri="{FF2B5EF4-FFF2-40B4-BE49-F238E27FC236}">
                 <a16:creationId xmlns:a16="http://schemas.microsoft.com/office/drawing/2014/main" id="{6E49992C-C06C-18A5-A3F5-2BE7F8046594}"/>
@@ -4470,14 +5519,13 @@
               </a:ext>
             </a:extLst>
           </a:blip>
-          <a:stretch>
-            <a:fillRect/>
-          </a:stretch>
+          <a:srcRect/>
+          <a:stretch/>
         </p:blipFill>
         <p:spPr>
           <a:xfrm>
-            <a:off x="297705" y="4161934"/>
-            <a:ext cx="3530517" cy="2567680"/>
+            <a:off x="372170" y="4161934"/>
+            <a:ext cx="3381586" cy="2567680"/>
           </a:xfrm>
           <a:prstGeom prst="rect">
             <a:avLst/>
@@ -4487,7 +5535,7 @@
     </p:spTree>
     <p:extLst>
       <p:ext uri="{BB962C8B-B14F-4D97-AF65-F5344CB8AC3E}">
-        <p14:creationId xmlns:p14="http://schemas.microsoft.com/office/powerpoint/2010/main" val="1650512592"/>
+        <p14:creationId xmlns:p14="http://schemas.microsoft.com/office/powerpoint/2010/main" val="848813174"/>
       </p:ext>
     </p:extLst>
   </p:cSld>
@@ -4643,15 +5691,15 @@
       </p:pic>
       <p:pic>
         <p:nvPicPr>
-          <p:cNvPr id="6" name="Picture 5">
-            <a:extLst>
-              <a:ext uri="{FF2B5EF4-FFF2-40B4-BE49-F238E27FC236}">
-                <a16:creationId xmlns:a16="http://schemas.microsoft.com/office/drawing/2014/main" id="{9029A9EA-59A4-1DB5-09AD-C469CF82745A}"/>
+          <p:cNvPr id="2050" name="Picture 2">
+            <a:extLst>
+              <a:ext uri="{FF2B5EF4-FFF2-40B4-BE49-F238E27FC236}">
+                <a16:creationId xmlns:a16="http://schemas.microsoft.com/office/drawing/2014/main" id="{D35EE644-DC0F-1204-301A-F1C5C2152C77}"/>
               </a:ext>
             </a:extLst>
           </p:cNvPr>
           <p:cNvPicPr>
-            <a:picLocks noChangeAspect="1"/>
+            <a:picLocks noChangeAspect="1" noChangeArrowheads="1"/>
           </p:cNvPicPr>
           <p:nvPr/>
         </p:nvPicPr>
@@ -4664,197 +5712,34 @@
             </a:extLst>
           </a:blip>
           <a:srcRect/>
-          <a:stretch/>
+          <a:stretch>
+            <a:fillRect/>
+          </a:stretch>
         </p:blipFill>
-        <p:spPr>
-          <a:xfrm>
-            <a:off x="612833" y="1919565"/>
-            <a:ext cx="3043296" cy="2310812"/>
-          </a:xfrm>
-          <a:prstGeom prst="rect">
-            <a:avLst/>
-          </a:prstGeom>
-        </p:spPr>
-      </p:pic>
-      <p:pic>
-        <p:nvPicPr>
-          <p:cNvPr id="8" name="Picture 7">
-            <a:extLst>
-              <a:ext uri="{FF2B5EF4-FFF2-40B4-BE49-F238E27FC236}">
-                <a16:creationId xmlns:a16="http://schemas.microsoft.com/office/drawing/2014/main" id="{36087954-C826-9F0D-895A-99B75118931A}"/>
-              </a:ext>
-            </a:extLst>
-          </p:cNvPr>
-          <p:cNvPicPr>
-            <a:picLocks noChangeAspect="1"/>
-          </p:cNvPicPr>
-          <p:nvPr/>
-        </p:nvPicPr>
-        <p:blipFill>
-          <a:blip r:embed="rId4">
-            <a:extLst>
-              <a:ext uri="{28A0092B-C50C-407E-A947-70E740481C1C}">
-                <a14:useLocalDpi xmlns:a14="http://schemas.microsoft.com/office/drawing/2010/main" val="0"/>
-              </a:ext>
-            </a:extLst>
-          </a:blip>
-          <a:srcRect/>
-          <a:stretch/>
-        </p:blipFill>
-        <p:spPr>
-          <a:xfrm>
-            <a:off x="4196485" y="1919565"/>
-            <a:ext cx="3043296" cy="2310812"/>
-          </a:xfrm>
-          <a:prstGeom prst="rect">
-            <a:avLst/>
-          </a:prstGeom>
-        </p:spPr>
-      </p:pic>
-      <p:pic>
-        <p:nvPicPr>
-          <p:cNvPr id="10" name="Picture 9">
-            <a:extLst>
-              <a:ext uri="{FF2B5EF4-FFF2-40B4-BE49-F238E27FC236}">
-                <a16:creationId xmlns:a16="http://schemas.microsoft.com/office/drawing/2014/main" id="{430EC291-89B4-DC0A-C703-4ED2067D4BAA}"/>
-              </a:ext>
-            </a:extLst>
-          </p:cNvPr>
-          <p:cNvPicPr>
-            <a:picLocks noChangeAspect="1"/>
-          </p:cNvPicPr>
-          <p:nvPr/>
-        </p:nvPicPr>
-        <p:blipFill>
-          <a:blip r:embed="rId5">
-            <a:extLst>
-              <a:ext uri="{28A0092B-C50C-407E-A947-70E740481C1C}">
-                <a14:useLocalDpi xmlns:a14="http://schemas.microsoft.com/office/drawing/2010/main" val="0"/>
-              </a:ext>
-            </a:extLst>
-          </a:blip>
-          <a:srcRect/>
-          <a:stretch/>
-        </p:blipFill>
-        <p:spPr>
-          <a:xfrm>
-            <a:off x="7907190" y="1919566"/>
-            <a:ext cx="3043296" cy="2310812"/>
-          </a:xfrm>
-          <a:prstGeom prst="rect">
-            <a:avLst/>
-          </a:prstGeom>
-        </p:spPr>
-      </p:pic>
-      <p:pic>
-        <p:nvPicPr>
-          <p:cNvPr id="12" name="Picture 11">
-            <a:extLst>
-              <a:ext uri="{FF2B5EF4-FFF2-40B4-BE49-F238E27FC236}">
-                <a16:creationId xmlns:a16="http://schemas.microsoft.com/office/drawing/2014/main" id="{A68D8EBF-D3E5-1633-46B2-9DBA1C641865}"/>
-              </a:ext>
-            </a:extLst>
-          </p:cNvPr>
-          <p:cNvPicPr>
-            <a:picLocks noChangeAspect="1"/>
-          </p:cNvPicPr>
-          <p:nvPr/>
-        </p:nvPicPr>
-        <p:blipFill>
-          <a:blip r:embed="rId6">
-            <a:extLst>
-              <a:ext uri="{28A0092B-C50C-407E-A947-70E740481C1C}">
-                <a14:useLocalDpi xmlns:a14="http://schemas.microsoft.com/office/drawing/2010/main" val="0"/>
-              </a:ext>
-            </a:extLst>
-          </a:blip>
-          <a:srcRect/>
-          <a:stretch/>
-        </p:blipFill>
-        <p:spPr>
-          <a:xfrm>
-            <a:off x="3929109" y="4161934"/>
-            <a:ext cx="3381586" cy="2567680"/>
-          </a:xfrm>
-          <a:prstGeom prst="rect">
-            <a:avLst/>
-          </a:prstGeom>
-        </p:spPr>
-      </p:pic>
-      <p:pic>
-        <p:nvPicPr>
-          <p:cNvPr id="14" name="Picture 13">
-            <a:extLst>
-              <a:ext uri="{FF2B5EF4-FFF2-40B4-BE49-F238E27FC236}">
-                <a16:creationId xmlns:a16="http://schemas.microsoft.com/office/drawing/2014/main" id="{E9C7D303-415F-D05D-8775-1D0BC34DAA78}"/>
-              </a:ext>
-            </a:extLst>
-          </p:cNvPr>
-          <p:cNvPicPr>
-            <a:picLocks noChangeAspect="1"/>
-          </p:cNvPicPr>
-          <p:nvPr/>
-        </p:nvPicPr>
-        <p:blipFill>
-          <a:blip r:embed="rId7">
-            <a:extLst>
-              <a:ext uri="{28A0092B-C50C-407E-A947-70E740481C1C}">
-                <a14:useLocalDpi xmlns:a14="http://schemas.microsoft.com/office/drawing/2010/main" val="0"/>
-              </a:ext>
-            </a:extLst>
-          </a:blip>
-          <a:srcRect/>
-          <a:stretch/>
-        </p:blipFill>
-        <p:spPr>
-          <a:xfrm>
-            <a:off x="7792511" y="4161933"/>
-            <a:ext cx="3263098" cy="2477711"/>
-          </a:xfrm>
-          <a:prstGeom prst="rect">
-            <a:avLst/>
-          </a:prstGeom>
-        </p:spPr>
-      </p:pic>
-      <p:pic>
-        <p:nvPicPr>
-          <p:cNvPr id="16" name="Picture 15">
-            <a:extLst>
-              <a:ext uri="{FF2B5EF4-FFF2-40B4-BE49-F238E27FC236}">
-                <a16:creationId xmlns:a16="http://schemas.microsoft.com/office/drawing/2014/main" id="{6E49992C-C06C-18A5-A3F5-2BE7F8046594}"/>
-              </a:ext>
-            </a:extLst>
-          </p:cNvPr>
-          <p:cNvPicPr>
-            <a:picLocks noChangeAspect="1"/>
-          </p:cNvPicPr>
-          <p:nvPr/>
-        </p:nvPicPr>
-        <p:blipFill>
-          <a:blip r:embed="rId8">
-            <a:extLst>
-              <a:ext uri="{28A0092B-C50C-407E-A947-70E740481C1C}">
-                <a14:useLocalDpi xmlns:a14="http://schemas.microsoft.com/office/drawing/2010/main" val="0"/>
-              </a:ext>
-            </a:extLst>
-          </a:blip>
-          <a:srcRect/>
-          <a:stretch/>
-        </p:blipFill>
-        <p:spPr>
-          <a:xfrm>
-            <a:off x="372170" y="4161934"/>
-            <a:ext cx="3381586" cy="2567680"/>
-          </a:xfrm>
-          <a:prstGeom prst="rect">
-            <a:avLst/>
-          </a:prstGeom>
+        <p:spPr bwMode="auto">
+          <a:xfrm>
+            <a:off x="2696376" y="1880648"/>
+            <a:ext cx="7080250" cy="4680408"/>
+          </a:xfrm>
+          <a:prstGeom prst="rect">
+            <a:avLst/>
+          </a:prstGeom>
+          <a:noFill/>
+          <a:extLst>
+            <a:ext uri="{909E8E84-426E-40DD-AFC4-6F175D3DCCD1}">
+              <a14:hiddenFill xmlns:a14="http://schemas.microsoft.com/office/drawing/2010/main">
+                <a:solidFill>
+                  <a:srgbClr val="FFFFFF"/>
+                </a:solidFill>
+              </a14:hiddenFill>
+            </a:ext>
+          </a:extLst>
         </p:spPr>
       </p:pic>
     </p:spTree>
     <p:extLst>
       <p:ext uri="{BB962C8B-B14F-4D97-AF65-F5344CB8AC3E}">
-        <p14:creationId xmlns:p14="http://schemas.microsoft.com/office/powerpoint/2010/main" val="848813174"/>
+        <p14:creationId xmlns:p14="http://schemas.microsoft.com/office/powerpoint/2010/main" val="2496017180"/>
       </p:ext>
     </p:extLst>
   </p:cSld>
@@ -4926,7 +5811,7 @@
                   <a:srgbClr val="FF6600"/>
                 </a:solidFill>
               </a:rPr>
-              <a:t>Data Cleaning</a:t>
+              <a:t>Potential Problems with the Data</a:t>
             </a:r>
           </a:p>
         </p:txBody>
@@ -4956,7 +5841,7 @@
         </p:spPr>
         <p:txBody>
           <a:bodyPr vert="vert270">
-            <a:normAutofit/>
+            <a:normAutofit fontScale="92500"/>
           </a:bodyPr>
           <a:lstStyle/>
           <a:p>
@@ -4967,6 +5852,51 @@
             </a:endParaRPr>
           </a:p>
           <a:p>
+            <a:r>
+              <a:rPr lang="en-US" b="1" dirty="0"/>
+              <a:t>Missing Values</a:t>
+            </a:r>
+            <a:r>
+              <a:rPr lang="en-US" dirty="0"/>
+              <a:t>:  In both of our datasets, we did not find any missing or NA values, so there was no need to deal with missing values.</a:t>
+            </a:r>
+          </a:p>
+          <a:p>
+            <a:endParaRPr lang="en-US" dirty="0"/>
+          </a:p>
+          <a:p>
+            <a:r>
+              <a:rPr lang="en-US" b="1" dirty="0"/>
+              <a:t>Outliers</a:t>
+            </a:r>
+            <a:r>
+              <a:rPr lang="en-US" dirty="0"/>
+              <a:t>: Most numeric variables in the dataset contained many outliers.</a:t>
+            </a:r>
+          </a:p>
+          <a:p>
+            <a:endParaRPr lang="en-US" sz="2000" dirty="0"/>
+          </a:p>
+          <a:p>
+            <a:r>
+              <a:rPr lang="en-US" b="1" dirty="0"/>
+              <a:t>Skewness: </a:t>
+            </a:r>
+            <a:r>
+              <a:rPr lang="en-US" dirty="0"/>
+              <a:t>Many of the numeric variables in the dataset were skewed, including ‘</a:t>
+            </a:r>
+            <a:r>
+              <a:rPr lang="en-US" dirty="0" err="1"/>
+              <a:t>pdays</a:t>
+            </a:r>
+            <a:r>
+              <a:rPr lang="en-US" dirty="0"/>
+              <a:t>’, ‘duration’, ‘campaign’, ‘previous’, and ‘balance’.</a:t>
+            </a:r>
+            <a:endParaRPr lang="en-US" b="1" dirty="0"/>
+          </a:p>
+          <a:p>
             <a:endParaRPr lang="en-US" dirty="0">
               <a:solidFill>
                 <a:srgbClr val="FF6600"/>
@@ -5014,7 +5944,7 @@
     </p:spTree>
     <p:extLst>
       <p:ext uri="{BB962C8B-B14F-4D97-AF65-F5344CB8AC3E}">
-        <p14:creationId xmlns:p14="http://schemas.microsoft.com/office/powerpoint/2010/main" val="2394928445"/>
+        <p14:creationId xmlns:p14="http://schemas.microsoft.com/office/powerpoint/2010/main" val="2059524495"/>
       </p:ext>
     </p:extLst>
   </p:cSld>
@@ -5120,16 +6050,19 @@
           </a:bodyPr>
           <a:lstStyle/>
           <a:p>
-            <a:pPr lvl="1"/>
-            <a:endParaRPr lang="en-US" sz="2000" dirty="0"/>
-          </a:p>
-          <a:p>
             <a:endParaRPr lang="en-US" dirty="0">
               <a:solidFill>
                 <a:srgbClr val="FF6600"/>
               </a:solidFill>
             </a:endParaRPr>
           </a:p>
+          <a:p>
+            <a:endParaRPr lang="en-US" dirty="0">
+              <a:solidFill>
+                <a:srgbClr val="FF6600"/>
+              </a:solidFill>
+            </a:endParaRPr>
+          </a:p>
         </p:txBody>
       </p:sp>
       <p:pic>
@@ -5160,7 +6093,7 @@
         </p:blipFill>
         <p:spPr>
           <a:xfrm>
-            <a:off x="0" y="5863771"/>
+            <a:off x="-1" y="6149972"/>
             <a:ext cx="1654627" cy="994232"/>
           </a:xfrm>
           <a:prstGeom prst="rect">
@@ -5168,10 +6101,338 @@
           </a:prstGeom>
         </p:spPr>
       </p:pic>
+      <p:pic>
+        <p:nvPicPr>
+          <p:cNvPr id="1026" name="Picture 2">
+            <a:extLst>
+              <a:ext uri="{FF2B5EF4-FFF2-40B4-BE49-F238E27FC236}">
+                <a16:creationId xmlns:a16="http://schemas.microsoft.com/office/drawing/2014/main" id="{75CC0040-474C-56DE-721D-F127B924A062}"/>
+              </a:ext>
+            </a:extLst>
+          </p:cNvPr>
+          <p:cNvPicPr>
+            <a:picLocks noChangeAspect="1" noChangeArrowheads="1"/>
+          </p:cNvPicPr>
+          <p:nvPr/>
+        </p:nvPicPr>
+        <p:blipFill>
+          <a:blip r:embed="rId3">
+            <a:extLst>
+              <a:ext uri="{28A0092B-C50C-407E-A947-70E740481C1C}">
+                <a14:useLocalDpi xmlns:a14="http://schemas.microsoft.com/office/drawing/2010/main" val="0"/>
+              </a:ext>
+            </a:extLst>
+          </a:blip>
+          <a:srcRect/>
+          <a:stretch>
+            <a:fillRect/>
+          </a:stretch>
+        </p:blipFill>
+        <p:spPr bwMode="auto">
+          <a:xfrm>
+            <a:off x="407893" y="2086387"/>
+            <a:ext cx="3648075" cy="2883841"/>
+          </a:xfrm>
+          <a:prstGeom prst="rect">
+            <a:avLst/>
+          </a:prstGeom>
+          <a:noFill/>
+          <a:extLst>
+            <a:ext uri="{909E8E84-426E-40DD-AFC4-6F175D3DCCD1}">
+              <a14:hiddenFill xmlns:a14="http://schemas.microsoft.com/office/drawing/2010/main">
+                <a:solidFill>
+                  <a:srgbClr val="FFFFFF"/>
+                </a:solidFill>
+              </a14:hiddenFill>
+            </a:ext>
+          </a:extLst>
+        </p:spPr>
+      </p:pic>
+      <p:sp>
+        <p:nvSpPr>
+          <p:cNvPr id="7" name="TextBox 6">
+            <a:extLst>
+              <a:ext uri="{FF2B5EF4-FFF2-40B4-BE49-F238E27FC236}">
+                <a16:creationId xmlns:a16="http://schemas.microsoft.com/office/drawing/2014/main" id="{4F66D83D-B8D5-345C-129A-BDD2A283E99F}"/>
+              </a:ext>
+            </a:extLst>
+          </p:cNvPr>
+          <p:cNvSpPr txBox="1"/>
+          <p:nvPr/>
+        </p:nvSpPr>
+        <p:spPr>
+          <a:xfrm>
+            <a:off x="407893" y="5168846"/>
+            <a:ext cx="3845859" cy="1200329"/>
+          </a:xfrm>
+          <a:prstGeom prst="rect">
+            <a:avLst/>
+          </a:prstGeom>
+          <a:noFill/>
+        </p:spPr>
+        <p:txBody>
+          <a:bodyPr wrap="square" rtlCol="0">
+            <a:spAutoFit/>
+          </a:bodyPr>
+          <a:lstStyle/>
+          <a:p>
+            <a:r>
+              <a:rPr lang="en-US" dirty="0"/>
+              <a:t>To deal with skewness in the ‘</a:t>
+            </a:r>
+            <a:r>
+              <a:rPr lang="en-US" dirty="0" err="1"/>
+              <a:t>pdays</a:t>
+            </a:r>
+            <a:r>
+              <a:rPr lang="en-US" dirty="0"/>
+              <a:t>’ variable, we performed a square-root transformation on the data. The data now appears much less skewed.</a:t>
+            </a:r>
+          </a:p>
+        </p:txBody>
+      </p:sp>
+      <p:pic>
+        <p:nvPicPr>
+          <p:cNvPr id="1028" name="Picture 4">
+            <a:extLst>
+              <a:ext uri="{FF2B5EF4-FFF2-40B4-BE49-F238E27FC236}">
+                <a16:creationId xmlns:a16="http://schemas.microsoft.com/office/drawing/2014/main" id="{0FEC527E-6A84-B97B-488D-725EFAE5AAE0}"/>
+              </a:ext>
+            </a:extLst>
+          </p:cNvPr>
+          <p:cNvPicPr>
+            <a:picLocks noChangeAspect="1" noChangeArrowheads="1"/>
+          </p:cNvPicPr>
+          <p:nvPr/>
+        </p:nvPicPr>
+        <p:blipFill>
+          <a:blip r:embed="rId4">
+            <a:extLst>
+              <a:ext uri="{28A0092B-C50C-407E-A947-70E740481C1C}">
+                <a14:useLocalDpi xmlns:a14="http://schemas.microsoft.com/office/drawing/2010/main" val="0"/>
+              </a:ext>
+            </a:extLst>
+          </a:blip>
+          <a:srcRect/>
+          <a:stretch>
+            <a:fillRect/>
+          </a:stretch>
+        </p:blipFill>
+        <p:spPr bwMode="auto">
+          <a:xfrm>
+            <a:off x="4144777" y="2086387"/>
+            <a:ext cx="3705225" cy="2883842"/>
+          </a:xfrm>
+          <a:prstGeom prst="rect">
+            <a:avLst/>
+          </a:prstGeom>
+          <a:noFill/>
+          <a:extLst>
+            <a:ext uri="{909E8E84-426E-40DD-AFC4-6F175D3DCCD1}">
+              <a14:hiddenFill xmlns:a14="http://schemas.microsoft.com/office/drawing/2010/main">
+                <a:solidFill>
+                  <a:srgbClr val="FFFFFF"/>
+                </a:solidFill>
+              </a14:hiddenFill>
+            </a:ext>
+          </a:extLst>
+        </p:spPr>
+      </p:pic>
+      <p:pic>
+        <p:nvPicPr>
+          <p:cNvPr id="1030" name="Picture 6">
+            <a:extLst>
+              <a:ext uri="{FF2B5EF4-FFF2-40B4-BE49-F238E27FC236}">
+                <a16:creationId xmlns:a16="http://schemas.microsoft.com/office/drawing/2014/main" id="{C7D96EFB-FC3A-07E0-4311-FB37B70F509F}"/>
+              </a:ext>
+            </a:extLst>
+          </p:cNvPr>
+          <p:cNvPicPr>
+            <a:picLocks noChangeAspect="1" noChangeArrowheads="1"/>
+          </p:cNvPicPr>
+          <p:nvPr/>
+        </p:nvPicPr>
+        <p:blipFill>
+          <a:blip r:embed="rId5">
+            <a:extLst>
+              <a:ext uri="{28A0092B-C50C-407E-A947-70E740481C1C}">
+                <a14:useLocalDpi xmlns:a14="http://schemas.microsoft.com/office/drawing/2010/main" val="0"/>
+              </a:ext>
+            </a:extLst>
+          </a:blip>
+          <a:srcRect/>
+          <a:stretch>
+            <a:fillRect/>
+          </a:stretch>
+        </p:blipFill>
+        <p:spPr bwMode="auto">
+          <a:xfrm>
+            <a:off x="8004082" y="2086387"/>
+            <a:ext cx="3705225" cy="2883842"/>
+          </a:xfrm>
+          <a:prstGeom prst="rect">
+            <a:avLst/>
+          </a:prstGeom>
+          <a:noFill/>
+          <a:extLst>
+            <a:ext uri="{909E8E84-426E-40DD-AFC4-6F175D3DCCD1}">
+              <a14:hiddenFill xmlns:a14="http://schemas.microsoft.com/office/drawing/2010/main">
+                <a:solidFill>
+                  <a:srgbClr val="FFFFFF"/>
+                </a:solidFill>
+              </a14:hiddenFill>
+            </a:ext>
+          </a:extLst>
+        </p:spPr>
+      </p:pic>
+      <p:sp>
+        <p:nvSpPr>
+          <p:cNvPr id="8" name="TextBox 7">
+            <a:extLst>
+              <a:ext uri="{FF2B5EF4-FFF2-40B4-BE49-F238E27FC236}">
+                <a16:creationId xmlns:a16="http://schemas.microsoft.com/office/drawing/2014/main" id="{E3C2A579-F673-A678-498F-0E457AEC1946}"/>
+              </a:ext>
+            </a:extLst>
+          </p:cNvPr>
+          <p:cNvSpPr txBox="1"/>
+          <p:nvPr/>
+        </p:nvSpPr>
+        <p:spPr>
+          <a:xfrm>
+            <a:off x="4437529" y="5168846"/>
+            <a:ext cx="7144871" cy="646331"/>
+          </a:xfrm>
+          <a:prstGeom prst="rect">
+            <a:avLst/>
+          </a:prstGeom>
+          <a:noFill/>
+        </p:spPr>
+        <p:txBody>
+          <a:bodyPr wrap="square" rtlCol="0">
+            <a:spAutoFit/>
+          </a:bodyPr>
+          <a:lstStyle/>
+          <a:p>
+            <a:r>
+              <a:rPr lang="en-US" dirty="0"/>
+              <a:t>To deal with skewness in the ‘campaign’ and ‘balance’ variables, we used the Box-Cox method. The data now appears to be slightly less skewed.</a:t>
+            </a:r>
+          </a:p>
+        </p:txBody>
+      </p:sp>
+      <p:sp>
+        <p:nvSpPr>
+          <p:cNvPr id="9" name="TextBox 8">
+            <a:extLst>
+              <a:ext uri="{FF2B5EF4-FFF2-40B4-BE49-F238E27FC236}">
+                <a16:creationId xmlns:a16="http://schemas.microsoft.com/office/drawing/2014/main" id="{A69086CC-9A40-6E84-CE0C-F4B8CEEEEC7C}"/>
+              </a:ext>
+            </a:extLst>
+          </p:cNvPr>
+          <p:cNvSpPr txBox="1"/>
+          <p:nvPr/>
+        </p:nvSpPr>
+        <p:spPr>
+          <a:xfrm>
+            <a:off x="757518" y="1712895"/>
+            <a:ext cx="3298450" cy="373491"/>
+          </a:xfrm>
+          <a:prstGeom prst="rect">
+            <a:avLst/>
+          </a:prstGeom>
+          <a:noFill/>
+        </p:spPr>
+        <p:txBody>
+          <a:bodyPr wrap="square" rtlCol="0">
+            <a:spAutoFit/>
+          </a:bodyPr>
+          <a:lstStyle/>
+          <a:p>
+            <a:pPr algn="ctr"/>
+            <a:r>
+              <a:rPr lang="en-US" b="1" dirty="0" err="1"/>
+              <a:t>Pdays</a:t>
+            </a:r>
+            <a:endParaRPr lang="en-US" b="1" dirty="0"/>
+          </a:p>
+        </p:txBody>
+      </p:sp>
+      <p:sp>
+        <p:nvSpPr>
+          <p:cNvPr id="10" name="TextBox 9">
+            <a:extLst>
+              <a:ext uri="{FF2B5EF4-FFF2-40B4-BE49-F238E27FC236}">
+                <a16:creationId xmlns:a16="http://schemas.microsoft.com/office/drawing/2014/main" id="{C47FCAC3-5292-DCDE-6D9F-AE927A937DBB}"/>
+              </a:ext>
+            </a:extLst>
+          </p:cNvPr>
+          <p:cNvSpPr txBox="1"/>
+          <p:nvPr/>
+        </p:nvSpPr>
+        <p:spPr>
+          <a:xfrm>
+            <a:off x="4414424" y="1717054"/>
+            <a:ext cx="3420035" cy="369332"/>
+          </a:xfrm>
+          <a:prstGeom prst="rect">
+            <a:avLst/>
+          </a:prstGeom>
+          <a:noFill/>
+        </p:spPr>
+        <p:txBody>
+          <a:bodyPr wrap="square" rtlCol="0">
+            <a:spAutoFit/>
+          </a:bodyPr>
+          <a:lstStyle/>
+          <a:p>
+            <a:pPr algn="ctr"/>
+            <a:r>
+              <a:rPr lang="en-US" b="1" dirty="0"/>
+              <a:t>Campaign</a:t>
+            </a:r>
+          </a:p>
+        </p:txBody>
+      </p:sp>
+      <p:sp>
+        <p:nvSpPr>
+          <p:cNvPr id="11" name="TextBox 10">
+            <a:extLst>
+              <a:ext uri="{FF2B5EF4-FFF2-40B4-BE49-F238E27FC236}">
+                <a16:creationId xmlns:a16="http://schemas.microsoft.com/office/drawing/2014/main" id="{8F3BE922-5749-6BDC-FA20-3AB1BAF4ADD0}"/>
+              </a:ext>
+            </a:extLst>
+          </p:cNvPr>
+          <p:cNvSpPr txBox="1"/>
+          <p:nvPr/>
+        </p:nvSpPr>
+        <p:spPr>
+          <a:xfrm>
+            <a:off x="8507506" y="1712895"/>
+            <a:ext cx="3172826" cy="369332"/>
+          </a:xfrm>
+          <a:prstGeom prst="rect">
+            <a:avLst/>
+          </a:prstGeom>
+          <a:noFill/>
+        </p:spPr>
+        <p:txBody>
+          <a:bodyPr wrap="square" rtlCol="0">
+            <a:spAutoFit/>
+          </a:bodyPr>
+          <a:lstStyle/>
+          <a:p>
+            <a:pPr algn="ctr"/>
+            <a:r>
+              <a:rPr lang="en-US" b="1" dirty="0"/>
+              <a:t>Balance</a:t>
+            </a:r>
+          </a:p>
+        </p:txBody>
+      </p:sp>
     </p:spTree>
     <p:extLst>
       <p:ext uri="{BB962C8B-B14F-4D97-AF65-F5344CB8AC3E}">
-        <p14:creationId xmlns:p14="http://schemas.microsoft.com/office/powerpoint/2010/main" val="2970486252"/>
+        <p14:creationId xmlns:p14="http://schemas.microsoft.com/office/powerpoint/2010/main" val="2394928445"/>
       </p:ext>
     </p:extLst>
   </p:cSld>
@@ -5243,7 +6504,7 @@
                   <a:srgbClr val="FF6600"/>
                 </a:solidFill>
               </a:rPr>
-              <a:t>Exploratory Data Analysis</a:t>
+              <a:t>Data Cleaning</a:t>
             </a:r>
           </a:p>
         </p:txBody>
@@ -5317,7 +6578,7 @@
         </p:blipFill>
         <p:spPr>
           <a:xfrm>
-            <a:off x="0" y="5863771"/>
+            <a:off x="10885" y="6123747"/>
             <a:ext cx="1654627" cy="994232"/>
           </a:xfrm>
           <a:prstGeom prst="rect">
@@ -5325,10 +6586,211 @@
           </a:prstGeom>
         </p:spPr>
       </p:pic>
+      <p:pic>
+        <p:nvPicPr>
+          <p:cNvPr id="3074" name="Picture 2">
+            <a:extLst>
+              <a:ext uri="{FF2B5EF4-FFF2-40B4-BE49-F238E27FC236}">
+                <a16:creationId xmlns:a16="http://schemas.microsoft.com/office/drawing/2014/main" id="{03E3B6F8-E6CD-A6F0-FB61-433B2CEE42FB}"/>
+              </a:ext>
+            </a:extLst>
+          </p:cNvPr>
+          <p:cNvPicPr>
+            <a:picLocks noChangeAspect="1" noChangeArrowheads="1"/>
+          </p:cNvPicPr>
+          <p:nvPr/>
+        </p:nvPicPr>
+        <p:blipFill>
+          <a:blip r:embed="rId3">
+            <a:extLst>
+              <a:ext uri="{28A0092B-C50C-407E-A947-70E740481C1C}">
+                <a14:useLocalDpi xmlns:a14="http://schemas.microsoft.com/office/drawing/2010/main" val="0"/>
+              </a:ext>
+            </a:extLst>
+          </a:blip>
+          <a:srcRect/>
+          <a:stretch>
+            <a:fillRect/>
+          </a:stretch>
+        </p:blipFill>
+        <p:spPr bwMode="auto">
+          <a:xfrm>
+            <a:off x="959224" y="2362200"/>
+            <a:ext cx="4307541" cy="2954248"/>
+          </a:xfrm>
+          <a:prstGeom prst="rect">
+            <a:avLst/>
+          </a:prstGeom>
+          <a:noFill/>
+          <a:extLst>
+            <a:ext uri="{909E8E84-426E-40DD-AFC4-6F175D3DCCD1}">
+              <a14:hiddenFill xmlns:a14="http://schemas.microsoft.com/office/drawing/2010/main">
+                <a:solidFill>
+                  <a:srgbClr val="FFFFFF"/>
+                </a:solidFill>
+              </a14:hiddenFill>
+            </a:ext>
+          </a:extLst>
+        </p:spPr>
+      </p:pic>
+      <p:sp>
+        <p:nvSpPr>
+          <p:cNvPr id="5" name="TextBox 4">
+            <a:extLst>
+              <a:ext uri="{FF2B5EF4-FFF2-40B4-BE49-F238E27FC236}">
+                <a16:creationId xmlns:a16="http://schemas.microsoft.com/office/drawing/2014/main" id="{70B59153-20F0-7AF5-3CEA-8215023E9F7D}"/>
+              </a:ext>
+            </a:extLst>
+          </p:cNvPr>
+          <p:cNvSpPr txBox="1"/>
+          <p:nvPr/>
+        </p:nvSpPr>
+        <p:spPr>
+          <a:xfrm>
+            <a:off x="1665512" y="1826412"/>
+            <a:ext cx="3254189" cy="461665"/>
+          </a:xfrm>
+          <a:prstGeom prst="rect">
+            <a:avLst/>
+          </a:prstGeom>
+          <a:noFill/>
+        </p:spPr>
+        <p:txBody>
+          <a:bodyPr wrap="square" rtlCol="0">
+            <a:spAutoFit/>
+          </a:bodyPr>
+          <a:lstStyle/>
+          <a:p>
+            <a:pPr algn="ctr"/>
+            <a:r>
+              <a:rPr lang="en-US" sz="2400" b="1" dirty="0"/>
+              <a:t>Duration</a:t>
+            </a:r>
+          </a:p>
+        </p:txBody>
+      </p:sp>
+      <p:pic>
+        <p:nvPicPr>
+          <p:cNvPr id="3076" name="Picture 4">
+            <a:extLst>
+              <a:ext uri="{FF2B5EF4-FFF2-40B4-BE49-F238E27FC236}">
+                <a16:creationId xmlns:a16="http://schemas.microsoft.com/office/drawing/2014/main" id="{3A67B298-15B5-CECD-9BAE-CEC335BA7A7A}"/>
+              </a:ext>
+            </a:extLst>
+          </p:cNvPr>
+          <p:cNvPicPr>
+            <a:picLocks noChangeAspect="1" noChangeArrowheads="1"/>
+          </p:cNvPicPr>
+          <p:nvPr/>
+        </p:nvPicPr>
+        <p:blipFill>
+          <a:blip r:embed="rId4">
+            <a:extLst>
+              <a:ext uri="{28A0092B-C50C-407E-A947-70E740481C1C}">
+                <a14:useLocalDpi xmlns:a14="http://schemas.microsoft.com/office/drawing/2010/main" val="0"/>
+              </a:ext>
+            </a:extLst>
+          </a:blip>
+          <a:srcRect/>
+          <a:stretch>
+            <a:fillRect/>
+          </a:stretch>
+        </p:blipFill>
+        <p:spPr bwMode="auto">
+          <a:xfrm>
+            <a:off x="6799729" y="2362198"/>
+            <a:ext cx="4433047" cy="2954249"/>
+          </a:xfrm>
+          <a:prstGeom prst="rect">
+            <a:avLst/>
+          </a:prstGeom>
+          <a:noFill/>
+          <a:extLst>
+            <a:ext uri="{909E8E84-426E-40DD-AFC4-6F175D3DCCD1}">
+              <a14:hiddenFill xmlns:a14="http://schemas.microsoft.com/office/drawing/2010/main">
+                <a:solidFill>
+                  <a:srgbClr val="FFFFFF"/>
+                </a:solidFill>
+              </a14:hiddenFill>
+            </a:ext>
+          </a:extLst>
+        </p:spPr>
+      </p:pic>
+      <p:sp>
+        <p:nvSpPr>
+          <p:cNvPr id="6" name="TextBox 5">
+            <a:extLst>
+              <a:ext uri="{FF2B5EF4-FFF2-40B4-BE49-F238E27FC236}">
+                <a16:creationId xmlns:a16="http://schemas.microsoft.com/office/drawing/2014/main" id="{934DCA2E-18F6-200A-7638-A48CEE7536B8}"/>
+              </a:ext>
+            </a:extLst>
+          </p:cNvPr>
+          <p:cNvSpPr txBox="1"/>
+          <p:nvPr/>
+        </p:nvSpPr>
+        <p:spPr>
+          <a:xfrm>
+            <a:off x="7132825" y="1826412"/>
+            <a:ext cx="3943069" cy="461665"/>
+          </a:xfrm>
+          <a:prstGeom prst="rect">
+            <a:avLst/>
+          </a:prstGeom>
+          <a:noFill/>
+        </p:spPr>
+        <p:txBody>
+          <a:bodyPr wrap="square" rtlCol="0">
+            <a:spAutoFit/>
+          </a:bodyPr>
+          <a:lstStyle/>
+          <a:p>
+            <a:pPr algn="ctr"/>
+            <a:r>
+              <a:rPr lang="en-US" sz="2400" b="1" dirty="0"/>
+              <a:t>Previous</a:t>
+            </a:r>
+          </a:p>
+        </p:txBody>
+      </p:sp>
+      <p:sp>
+        <p:nvSpPr>
+          <p:cNvPr id="7" name="TextBox 6">
+            <a:extLst>
+              <a:ext uri="{FF2B5EF4-FFF2-40B4-BE49-F238E27FC236}">
+                <a16:creationId xmlns:a16="http://schemas.microsoft.com/office/drawing/2014/main" id="{DA8F3F33-BA43-F7E9-840D-5D250638CFF0}"/>
+              </a:ext>
+            </a:extLst>
+          </p:cNvPr>
+          <p:cNvSpPr txBox="1"/>
+          <p:nvPr/>
+        </p:nvSpPr>
+        <p:spPr>
+          <a:xfrm>
+            <a:off x="1264024" y="5450541"/>
+            <a:ext cx="9968752" cy="646331"/>
+          </a:xfrm>
+          <a:prstGeom prst="rect">
+            <a:avLst/>
+          </a:prstGeom>
+          <a:noFill/>
+        </p:spPr>
+        <p:txBody>
+          <a:bodyPr wrap="square" rtlCol="0">
+            <a:spAutoFit/>
+          </a:bodyPr>
+          <a:lstStyle/>
+          <a:p>
+            <a:r>
+              <a:rPr lang="en-US" dirty="0"/>
+              <a:t>To deal with skewness in the ‘duration’ and ‘previous’ variables, we applied a log transformation to the data. The data now appears to be less skewed. </a:t>
+            </a:r>
+          </a:p>
+        </p:txBody>
+      </p:sp>
     </p:spTree>
     <p:extLst>
       <p:ext uri="{BB962C8B-B14F-4D97-AF65-F5344CB8AC3E}">
-        <p14:creationId xmlns:p14="http://schemas.microsoft.com/office/powerpoint/2010/main" val="3501307056"/>
+        <p14:creationId xmlns:p14="http://schemas.microsoft.com/office/powerpoint/2010/main" val="2970486252"/>
       </p:ext>
     </p:extLst>
   </p:cSld>
